--- a/document/C言語勉強会.pptx
+++ b/document/C言語勉強会.pptx
@@ -25,8 +25,20 @@
     <p:sldId id="272" r:id="rId19"/>
     <p:sldId id="274" r:id="rId20"/>
     <p:sldId id="275" r:id="rId21"/>
-    <p:sldId id="276" r:id="rId22"/>
-    <p:sldId id="277" r:id="rId23"/>
+    <p:sldId id="279" r:id="rId22"/>
+    <p:sldId id="276" r:id="rId23"/>
+    <p:sldId id="277" r:id="rId24"/>
+    <p:sldId id="278" r:id="rId25"/>
+    <p:sldId id="280" r:id="rId26"/>
+    <p:sldId id="281" r:id="rId27"/>
+    <p:sldId id="285" r:id="rId28"/>
+    <p:sldId id="286" r:id="rId29"/>
+    <p:sldId id="288" r:id="rId30"/>
+    <p:sldId id="282" r:id="rId31"/>
+    <p:sldId id="283" r:id="rId32"/>
+    <p:sldId id="284" r:id="rId33"/>
+    <p:sldId id="287" r:id="rId34"/>
+    <p:sldId id="289" r:id="rId35"/>
   </p:sldIdLst>
   <p:sldSz cx="12192000" cy="6858000"/>
   <p:notesSz cx="6858000" cy="9144000"/>
@@ -280,7 +292,7 @@
           <a:p>
             <a:fld id="{9C1D9E41-4364-405E-8FAA-F45E2F5DEEAA}" type="datetimeFigureOut">
               <a:rPr kumimoji="1" lang="ja-JP" altLang="en-US" smtClean="0"/>
-              <a:t>2020/10/24</a:t>
+              <a:t>2020/11/8</a:t>
             </a:fld>
             <a:endParaRPr kumimoji="1" lang="ja-JP" altLang="en-US"/>
           </a:p>
@@ -510,7 +522,7 @@
           <a:p>
             <a:fld id="{9C1D9E41-4364-405E-8FAA-F45E2F5DEEAA}" type="datetimeFigureOut">
               <a:rPr kumimoji="1" lang="ja-JP" altLang="en-US" smtClean="0"/>
-              <a:t>2020/10/24</a:t>
+              <a:t>2020/11/8</a:t>
             </a:fld>
             <a:endParaRPr kumimoji="1" lang="ja-JP" altLang="en-US"/>
           </a:p>
@@ -750,7 +762,7 @@
           <a:p>
             <a:fld id="{9C1D9E41-4364-405E-8FAA-F45E2F5DEEAA}" type="datetimeFigureOut">
               <a:rPr kumimoji="1" lang="ja-JP" altLang="en-US" smtClean="0"/>
-              <a:t>2020/10/24</a:t>
+              <a:t>2020/11/8</a:t>
             </a:fld>
             <a:endParaRPr kumimoji="1" lang="ja-JP" altLang="en-US"/>
           </a:p>
@@ -980,7 +992,7 @@
           <a:p>
             <a:fld id="{9C1D9E41-4364-405E-8FAA-F45E2F5DEEAA}" type="datetimeFigureOut">
               <a:rPr kumimoji="1" lang="ja-JP" altLang="en-US" smtClean="0"/>
-              <a:t>2020/10/24</a:t>
+              <a:t>2020/11/8</a:t>
             </a:fld>
             <a:endParaRPr kumimoji="1" lang="ja-JP" altLang="en-US"/>
           </a:p>
@@ -1255,7 +1267,7 @@
           <a:p>
             <a:fld id="{9C1D9E41-4364-405E-8FAA-F45E2F5DEEAA}" type="datetimeFigureOut">
               <a:rPr kumimoji="1" lang="ja-JP" altLang="en-US" smtClean="0"/>
-              <a:t>2020/10/24</a:t>
+              <a:t>2020/11/8</a:t>
             </a:fld>
             <a:endParaRPr kumimoji="1" lang="ja-JP" altLang="en-US"/>
           </a:p>
@@ -1584,7 +1596,7 @@
           <a:p>
             <a:fld id="{9C1D9E41-4364-405E-8FAA-F45E2F5DEEAA}" type="datetimeFigureOut">
               <a:rPr kumimoji="1" lang="ja-JP" altLang="en-US" smtClean="0"/>
-              <a:t>2020/10/24</a:t>
+              <a:t>2020/11/8</a:t>
             </a:fld>
             <a:endParaRPr kumimoji="1" lang="ja-JP" altLang="en-US"/>
           </a:p>
@@ -2060,7 +2072,7 @@
           <a:p>
             <a:fld id="{9C1D9E41-4364-405E-8FAA-F45E2F5DEEAA}" type="datetimeFigureOut">
               <a:rPr kumimoji="1" lang="ja-JP" altLang="en-US" smtClean="0"/>
-              <a:t>2020/10/24</a:t>
+              <a:t>2020/11/8</a:t>
             </a:fld>
             <a:endParaRPr kumimoji="1" lang="ja-JP" altLang="en-US"/>
           </a:p>
@@ -2201,7 +2213,7 @@
           <a:p>
             <a:fld id="{9C1D9E41-4364-405E-8FAA-F45E2F5DEEAA}" type="datetimeFigureOut">
               <a:rPr kumimoji="1" lang="ja-JP" altLang="en-US" smtClean="0"/>
-              <a:t>2020/10/24</a:t>
+              <a:t>2020/11/8</a:t>
             </a:fld>
             <a:endParaRPr kumimoji="1" lang="ja-JP" altLang="en-US"/>
           </a:p>
@@ -2314,7 +2326,7 @@
           <a:p>
             <a:fld id="{9C1D9E41-4364-405E-8FAA-F45E2F5DEEAA}" type="datetimeFigureOut">
               <a:rPr kumimoji="1" lang="ja-JP" altLang="en-US" smtClean="0"/>
-              <a:t>2020/10/24</a:t>
+              <a:t>2020/11/8</a:t>
             </a:fld>
             <a:endParaRPr kumimoji="1" lang="ja-JP" altLang="en-US"/>
           </a:p>
@@ -2657,7 +2669,7 @@
           <a:p>
             <a:fld id="{9C1D9E41-4364-405E-8FAA-F45E2F5DEEAA}" type="datetimeFigureOut">
               <a:rPr kumimoji="1" lang="ja-JP" altLang="en-US" smtClean="0"/>
-              <a:t>2020/10/24</a:t>
+              <a:t>2020/11/8</a:t>
             </a:fld>
             <a:endParaRPr kumimoji="1" lang="ja-JP" altLang="en-US"/>
           </a:p>
@@ -2945,7 +2957,7 @@
           <a:p>
             <a:fld id="{9C1D9E41-4364-405E-8FAA-F45E2F5DEEAA}" type="datetimeFigureOut">
               <a:rPr kumimoji="1" lang="ja-JP" altLang="en-US" smtClean="0"/>
-              <a:t>2020/10/24</a:t>
+              <a:t>2020/11/8</a:t>
             </a:fld>
             <a:endParaRPr kumimoji="1" lang="ja-JP" altLang="en-US"/>
           </a:p>
@@ -3218,7 +3230,7 @@
           <a:p>
             <a:fld id="{9C1D9E41-4364-405E-8FAA-F45E2F5DEEAA}" type="datetimeFigureOut">
               <a:rPr kumimoji="1" lang="ja-JP" altLang="en-US" smtClean="0"/>
-              <a:t>2020/10/24</a:t>
+              <a:t>2020/11/8</a:t>
             </a:fld>
             <a:endParaRPr kumimoji="1" lang="ja-JP" altLang="en-US"/>
           </a:p>
@@ -5224,7 +5236,23 @@
                   <a:srgbClr val="FF0000"/>
                 </a:solidFill>
               </a:rPr>
-              <a:t>プログラムを書く際は面倒な事はやってはいけない事と心得よ</a:t>
+              <a:t>プログラムを書く際は面倒な事</a:t>
+            </a:r>
+            <a:r>
+              <a:rPr lang="en-US" altLang="ja-JP" dirty="0">
+                <a:solidFill>
+                  <a:srgbClr val="FF0000"/>
+                </a:solidFill>
+              </a:rPr>
+              <a:t>=</a:t>
+            </a:r>
+            <a:r>
+              <a:rPr lang="ja-JP" altLang="en-US" dirty="0">
+                <a:solidFill>
+                  <a:srgbClr val="FF0000"/>
+                </a:solidFill>
+              </a:rPr>
+              <a:t>やってはいけない事です。</a:t>
             </a:r>
             <a:endParaRPr lang="en-US" altLang="ja-JP" dirty="0">
               <a:solidFill>
@@ -6247,7 +6275,7 @@
             </a:r>
             <a:r>
               <a:rPr lang="ja-JP" altLang="en-US" dirty="0"/>
-              <a:t>として結果を返す関数と考える事が出来る。</a:t>
+              <a:t>として結果を返す関数。</a:t>
             </a:r>
             <a:endParaRPr kumimoji="1" lang="ja-JP" altLang="en-US" dirty="0"/>
           </a:p>
@@ -6288,7 +6316,7 @@
           <p:cNvPr id="2" name="タイトル 1">
             <a:extLst>
               <a:ext uri="{FF2B5EF4-FFF2-40B4-BE49-F238E27FC236}">
-                <a16:creationId xmlns:a16="http://schemas.microsoft.com/office/drawing/2014/main" id="{8370DF50-A4FD-47CE-848F-36450EABFC94}"/>
+                <a16:creationId xmlns:a16="http://schemas.microsoft.com/office/drawing/2014/main" id="{93C9017D-B8BF-41AB-9206-C24A3B0DF226}"/>
               </a:ext>
             </a:extLst>
           </p:cNvPr>
@@ -6310,13 +6338,8 @@
             </a:r>
             <a:r>
               <a:rPr kumimoji="1" lang="ja-JP" altLang="en-US" dirty="0"/>
-              <a:t>関数</a:t>
-            </a:r>
-            <a:r>
-              <a:rPr lang="ja-JP" altLang="en-US" dirty="0"/>
-              <a:t>②</a:t>
-            </a:r>
-            <a:endParaRPr kumimoji="1" lang="ja-JP" altLang="en-US" dirty="0"/>
+              <a:t>関数②　利点</a:t>
+            </a:r>
           </a:p>
         </p:txBody>
       </p:sp>
@@ -6325,7 +6348,7 @@
           <p:cNvPr id="3" name="コンテンツ プレースホルダー 2">
             <a:extLst>
               <a:ext uri="{FF2B5EF4-FFF2-40B4-BE49-F238E27FC236}">
-                <a16:creationId xmlns:a16="http://schemas.microsoft.com/office/drawing/2014/main" id="{3D270B4C-ADBB-401D-8B9C-6F94BB126A5A}"/>
+                <a16:creationId xmlns:a16="http://schemas.microsoft.com/office/drawing/2014/main" id="{69C0F963-E73E-4E7A-A495-9D09D81B6EB5}"/>
               </a:ext>
             </a:extLst>
           </p:cNvPr>
@@ -6338,144 +6361,54 @@
         </p:nvSpPr>
         <p:spPr/>
         <p:txBody>
-          <a:bodyPr/>
+          <a:bodyPr>
+            <a:normAutofit/>
+          </a:bodyPr>
           <a:lstStyle/>
           <a:p>
             <a:r>
               <a:rPr kumimoji="1" lang="ja-JP" altLang="en-US" dirty="0"/>
-              <a:t>使い方</a:t>
+              <a:t>わざわざ関数にしなくても同じ事をするコードが書けるのになぜ関数にする？</a:t>
             </a:r>
             <a:endParaRPr kumimoji="1" lang="en-US" altLang="ja-JP" dirty="0"/>
           </a:p>
           <a:p>
-            <a:pPr marL="0" indent="0">
-              <a:buNone/>
-            </a:pPr>
-            <a:r>
-              <a:rPr lang="en-US" altLang="ja-JP" dirty="0"/>
-              <a:t>i</a:t>
-            </a:r>
-            <a:r>
-              <a:rPr kumimoji="1" lang="en-US" altLang="ja-JP" dirty="0"/>
-              <a:t>nt add(int </a:t>
-            </a:r>
-            <a:r>
-              <a:rPr kumimoji="1" lang="en-US" altLang="ja-JP" dirty="0" err="1"/>
-              <a:t>a,int</a:t>
-            </a:r>
-            <a:r>
-              <a:rPr kumimoji="1" lang="en-US" altLang="ja-JP" dirty="0"/>
-              <a:t> b){ return a + b;} </a:t>
-            </a:r>
-            <a:r>
-              <a:rPr lang="ja-JP" altLang="en-US" dirty="0"/>
-              <a:t>まず定義する。</a:t>
+            <a:pPr>
+              <a:buFontTx/>
+              <a:buChar char="-"/>
+            </a:pPr>
+            <a:r>
+              <a:rPr lang="ja-JP" altLang="en-US" dirty="0"/>
+              <a:t>再利用が簡単だから。同じ処理を色々な値に対して何度もする場合等それを関数にしないと面倒でやっていられない。</a:t>
             </a:r>
             <a:endParaRPr lang="en-US" altLang="ja-JP" dirty="0"/>
           </a:p>
           <a:p>
-            <a:pPr marL="0" indent="0">
-              <a:buNone/>
-            </a:pPr>
-            <a:r>
-              <a:rPr lang="en-US" altLang="ja-JP" dirty="0"/>
-              <a:t>i</a:t>
-            </a:r>
-            <a:r>
-              <a:rPr kumimoji="1" lang="en-US" altLang="ja-JP" dirty="0"/>
-              <a:t>nt main(){</a:t>
-            </a:r>
-          </a:p>
-          <a:p>
-            <a:pPr marL="0" indent="0">
-              <a:buNone/>
-            </a:pPr>
-            <a:r>
-              <a:rPr lang="en-US" altLang="ja-JP" dirty="0"/>
-              <a:t>	main</a:t>
-            </a:r>
-            <a:r>
-              <a:rPr lang="ja-JP" altLang="en-US" dirty="0"/>
-              <a:t>関数の中で利用する</a:t>
-            </a:r>
             <a:endParaRPr lang="en-US" altLang="ja-JP" dirty="0"/>
           </a:p>
           <a:p>
-            <a:pPr marL="0" indent="0">
-              <a:buNone/>
-            </a:pPr>
-            <a:r>
-              <a:rPr lang="en-US" altLang="ja-JP" dirty="0"/>
-              <a:t>	i</a:t>
-            </a:r>
-            <a:r>
-              <a:rPr kumimoji="1" lang="en-US" altLang="ja-JP" dirty="0"/>
-              <a:t>nt s = 2,t = 3,sum = 0;</a:t>
-            </a:r>
-          </a:p>
-          <a:p>
-            <a:pPr marL="0" indent="0">
-              <a:buNone/>
-            </a:pPr>
-            <a:r>
-              <a:rPr kumimoji="1" lang="en-US" altLang="ja-JP" dirty="0"/>
-              <a:t>	sum = </a:t>
-            </a:r>
-            <a:r>
-              <a:rPr kumimoji="1" lang="en-US" altLang="ja-JP" u="sng" dirty="0">
-                <a:solidFill>
-                  <a:srgbClr val="FF0000"/>
-                </a:solidFill>
-              </a:rPr>
-              <a:t>add(s ,t)</a:t>
-            </a:r>
-            <a:r>
-              <a:rPr kumimoji="1" lang="en-US" altLang="ja-JP" u="sng" dirty="0"/>
-              <a:t>; </a:t>
-            </a:r>
-            <a:r>
-              <a:rPr kumimoji="1" lang="ja-JP" altLang="en-US" dirty="0"/>
-              <a:t>ここでは</a:t>
-            </a:r>
-            <a:r>
-              <a:rPr kumimoji="1" lang="en-US" altLang="ja-JP" dirty="0"/>
-              <a:t>add</a:t>
-            </a:r>
-            <a:r>
-              <a:rPr kumimoji="1" lang="ja-JP" altLang="en-US" dirty="0"/>
-              <a:t>は数値の</a:t>
-            </a:r>
-            <a:r>
-              <a:rPr kumimoji="1" lang="en-US" altLang="ja-JP" dirty="0"/>
-              <a:t>5</a:t>
-            </a:r>
-            <a:r>
-              <a:rPr kumimoji="1" lang="ja-JP" altLang="en-US" dirty="0"/>
-              <a:t>と同義となる。</a:t>
-            </a:r>
-            <a:endParaRPr kumimoji="1" lang="en-US" altLang="ja-JP" dirty="0"/>
-          </a:p>
-          <a:p>
-            <a:pPr marL="0" indent="0">
-              <a:buNone/>
-            </a:pPr>
-            <a:r>
-              <a:rPr kumimoji="1" lang="en-US" altLang="ja-JP" dirty="0"/>
-              <a:t>}</a:t>
-            </a:r>
-          </a:p>
-          <a:p>
-            <a:pPr marL="0" indent="0">
-              <a:buNone/>
-            </a:pPr>
-            <a:endParaRPr kumimoji="1" lang="ja-JP" altLang="en-US" dirty="0"/>
+            <a:r>
+              <a:rPr lang="ja-JP" altLang="en-US" dirty="0"/>
+              <a:t>プログラムが簡潔で分かりやすくなる。</a:t>
+            </a:r>
+            <a:endParaRPr lang="en-US" altLang="ja-JP" dirty="0"/>
+          </a:p>
+          <a:p>
+            <a:endParaRPr lang="en-US" altLang="ja-JP" dirty="0"/>
+          </a:p>
+          <a:p>
+            <a:r>
+              <a:rPr lang="ja-JP" altLang="en-US" dirty="0"/>
+              <a:t>関数もある意味で変数の一種（少し違うが）なので関数の配列の様な物を作ってプログラムの中で動的に呼び出す事が出来る。</a:t>
+            </a:r>
+            <a:endParaRPr lang="en-US" altLang="ja-JP" dirty="0"/>
           </a:p>
         </p:txBody>
       </p:sp>
     </p:spTree>
     <p:extLst>
       <p:ext uri="{BB962C8B-B14F-4D97-AF65-F5344CB8AC3E}">
-        <p14:creationId xmlns:p14="http://schemas.microsoft.com/office/powerpoint/2010/main" val="1990991680"/>
+        <p14:creationId xmlns:p14="http://schemas.microsoft.com/office/powerpoint/2010/main" val="906694620"/>
       </p:ext>
     </p:extLst>
   </p:cSld>
@@ -6507,6 +6440,220 @@
           <p:cNvPr id="2" name="タイトル 1">
             <a:extLst>
               <a:ext uri="{FF2B5EF4-FFF2-40B4-BE49-F238E27FC236}">
+                <a16:creationId xmlns:a16="http://schemas.microsoft.com/office/drawing/2014/main" id="{8370DF50-A4FD-47CE-848F-36450EABFC94}"/>
+              </a:ext>
+            </a:extLst>
+          </p:cNvPr>
+          <p:cNvSpPr>
+            <a:spLocks noGrp="1"/>
+          </p:cNvSpPr>
+          <p:nvPr>
+            <p:ph type="title"/>
+          </p:nvPr>
+        </p:nvSpPr>
+        <p:spPr/>
+        <p:txBody>
+          <a:bodyPr/>
+          <a:lstStyle/>
+          <a:p>
+            <a:r>
+              <a:rPr kumimoji="1" lang="en-US" altLang="ja-JP" dirty="0"/>
+              <a:t>6.</a:t>
+            </a:r>
+            <a:r>
+              <a:rPr kumimoji="1" lang="ja-JP" altLang="en-US" dirty="0"/>
+              <a:t>関数③</a:t>
+            </a:r>
+          </a:p>
+        </p:txBody>
+      </p:sp>
+      <p:sp>
+        <p:nvSpPr>
+          <p:cNvPr id="3" name="コンテンツ プレースホルダー 2">
+            <a:extLst>
+              <a:ext uri="{FF2B5EF4-FFF2-40B4-BE49-F238E27FC236}">
+                <a16:creationId xmlns:a16="http://schemas.microsoft.com/office/drawing/2014/main" id="{3D270B4C-ADBB-401D-8B9C-6F94BB126A5A}"/>
+              </a:ext>
+            </a:extLst>
+          </p:cNvPr>
+          <p:cNvSpPr>
+            <a:spLocks noGrp="1"/>
+          </p:cNvSpPr>
+          <p:nvPr>
+            <p:ph idx="1"/>
+          </p:nvPr>
+        </p:nvSpPr>
+        <p:spPr/>
+        <p:txBody>
+          <a:bodyPr/>
+          <a:lstStyle/>
+          <a:p>
+            <a:r>
+              <a:rPr kumimoji="1" lang="ja-JP" altLang="en-US" dirty="0"/>
+              <a:t>使い方</a:t>
+            </a:r>
+            <a:endParaRPr kumimoji="1" lang="en-US" altLang="ja-JP" dirty="0"/>
+          </a:p>
+          <a:p>
+            <a:pPr marL="0" indent="0">
+              <a:buNone/>
+            </a:pPr>
+            <a:r>
+              <a:rPr lang="en-US" altLang="ja-JP" dirty="0"/>
+              <a:t>i</a:t>
+            </a:r>
+            <a:r>
+              <a:rPr kumimoji="1" lang="en-US" altLang="ja-JP" dirty="0"/>
+              <a:t>nt add(int </a:t>
+            </a:r>
+            <a:r>
+              <a:rPr kumimoji="1" lang="en-US" altLang="ja-JP" dirty="0" err="1"/>
+              <a:t>a,int</a:t>
+            </a:r>
+            <a:r>
+              <a:rPr kumimoji="1" lang="en-US" altLang="ja-JP" dirty="0"/>
+              <a:t> b){ return a + b;} </a:t>
+            </a:r>
+            <a:r>
+              <a:rPr lang="ja-JP" altLang="en-US" dirty="0"/>
+              <a:t>まず定義する。</a:t>
+            </a:r>
+            <a:endParaRPr lang="en-US" altLang="ja-JP" dirty="0"/>
+          </a:p>
+          <a:p>
+            <a:pPr marL="0" indent="0">
+              <a:buNone/>
+            </a:pPr>
+            <a:r>
+              <a:rPr lang="en-US" altLang="ja-JP" dirty="0"/>
+              <a:t>i</a:t>
+            </a:r>
+            <a:r>
+              <a:rPr kumimoji="1" lang="en-US" altLang="ja-JP" dirty="0"/>
+              <a:t>nt main(){</a:t>
+            </a:r>
+          </a:p>
+          <a:p>
+            <a:pPr marL="0" indent="0">
+              <a:buNone/>
+            </a:pPr>
+            <a:r>
+              <a:rPr lang="en-US" altLang="ja-JP" dirty="0"/>
+              <a:t>	main</a:t>
+            </a:r>
+            <a:r>
+              <a:rPr lang="ja-JP" altLang="en-US" dirty="0"/>
+              <a:t>関数の中で利用する</a:t>
+            </a:r>
+            <a:endParaRPr lang="en-US" altLang="ja-JP" dirty="0"/>
+          </a:p>
+          <a:p>
+            <a:pPr marL="0" indent="0">
+              <a:buNone/>
+            </a:pPr>
+            <a:r>
+              <a:rPr lang="en-US" altLang="ja-JP" dirty="0"/>
+              <a:t>	i</a:t>
+            </a:r>
+            <a:r>
+              <a:rPr kumimoji="1" lang="en-US" altLang="ja-JP" dirty="0"/>
+              <a:t>nt s = 2,t = 3,sum = 0;</a:t>
+            </a:r>
+          </a:p>
+          <a:p>
+            <a:pPr marL="0" indent="0">
+              <a:buNone/>
+            </a:pPr>
+            <a:r>
+              <a:rPr kumimoji="1" lang="en-US" altLang="ja-JP" dirty="0"/>
+              <a:t>	sum = </a:t>
+            </a:r>
+            <a:r>
+              <a:rPr kumimoji="1" lang="en-US" altLang="ja-JP" u="sng" dirty="0">
+                <a:solidFill>
+                  <a:srgbClr val="FF0000"/>
+                </a:solidFill>
+              </a:rPr>
+              <a:t>add(s ,t)</a:t>
+            </a:r>
+            <a:r>
+              <a:rPr kumimoji="1" lang="en-US" altLang="ja-JP" u="sng" dirty="0"/>
+              <a:t>; </a:t>
+            </a:r>
+            <a:r>
+              <a:rPr kumimoji="1" lang="ja-JP" altLang="en-US" dirty="0"/>
+              <a:t>ここでは</a:t>
+            </a:r>
+            <a:r>
+              <a:rPr kumimoji="1" lang="en-US" altLang="ja-JP" dirty="0"/>
+              <a:t>add</a:t>
+            </a:r>
+            <a:r>
+              <a:rPr kumimoji="1" lang="ja-JP" altLang="en-US" dirty="0"/>
+              <a:t>は数値の</a:t>
+            </a:r>
+            <a:r>
+              <a:rPr kumimoji="1" lang="en-US" altLang="ja-JP" dirty="0"/>
+              <a:t>5</a:t>
+            </a:r>
+            <a:r>
+              <a:rPr kumimoji="1" lang="ja-JP" altLang="en-US" dirty="0"/>
+              <a:t>と同義となる。</a:t>
+            </a:r>
+            <a:endParaRPr kumimoji="1" lang="en-US" altLang="ja-JP" dirty="0"/>
+          </a:p>
+          <a:p>
+            <a:pPr marL="0" indent="0">
+              <a:buNone/>
+            </a:pPr>
+            <a:r>
+              <a:rPr kumimoji="1" lang="en-US" altLang="ja-JP" dirty="0"/>
+              <a:t>}</a:t>
+            </a:r>
+          </a:p>
+          <a:p>
+            <a:pPr marL="0" indent="0">
+              <a:buNone/>
+            </a:pPr>
+            <a:endParaRPr kumimoji="1" lang="ja-JP" altLang="en-US" dirty="0"/>
+          </a:p>
+        </p:txBody>
+      </p:sp>
+    </p:spTree>
+    <p:extLst>
+      <p:ext uri="{BB962C8B-B14F-4D97-AF65-F5344CB8AC3E}">
+        <p14:creationId xmlns:p14="http://schemas.microsoft.com/office/powerpoint/2010/main" val="1990991680"/>
+      </p:ext>
+    </p:extLst>
+  </p:cSld>
+  <p:clrMapOvr>
+    <a:masterClrMapping/>
+  </p:clrMapOvr>
+</p:sld>
+</file>
+
+<file path=ppt/slides/slide23.xml><?xml version="1.0" encoding="utf-8"?>
+<p:sld xmlns:a="http://schemas.openxmlformats.org/drawingml/2006/main" xmlns:r="http://schemas.openxmlformats.org/officeDocument/2006/relationships" xmlns:p="http://schemas.openxmlformats.org/presentationml/2006/main">
+  <p:cSld>
+    <p:spTree>
+      <p:nvGrpSpPr>
+        <p:cNvPr id="1" name=""/>
+        <p:cNvGrpSpPr/>
+        <p:nvPr/>
+      </p:nvGrpSpPr>
+      <p:grpSpPr>
+        <a:xfrm>
+          <a:off x="0" y="0"/>
+          <a:ext cx="0" cy="0"/>
+          <a:chOff x="0" y="0"/>
+          <a:chExt cx="0" cy="0"/>
+        </a:xfrm>
+      </p:grpSpPr>
+      <p:sp>
+        <p:nvSpPr>
+          <p:cNvPr id="2" name="タイトル 1">
+            <a:extLst>
+              <a:ext uri="{FF2B5EF4-FFF2-40B4-BE49-F238E27FC236}">
                 <a16:creationId xmlns:a16="http://schemas.microsoft.com/office/drawing/2014/main" id="{B742D989-70FC-4A8C-8401-87A4EBEF3FD7}"/>
               </a:ext>
             </a:extLst>
@@ -6563,6 +6710,1135 @@
     <p:extLst>
       <p:ext uri="{BB962C8B-B14F-4D97-AF65-F5344CB8AC3E}">
         <p14:creationId xmlns:p14="http://schemas.microsoft.com/office/powerpoint/2010/main" val="2203898757"/>
+      </p:ext>
+    </p:extLst>
+  </p:cSld>
+  <p:clrMapOvr>
+    <a:masterClrMapping/>
+  </p:clrMapOvr>
+</p:sld>
+</file>
+
+<file path=ppt/slides/slide24.xml><?xml version="1.0" encoding="utf-8"?>
+<p:sld xmlns:a="http://schemas.openxmlformats.org/drawingml/2006/main" xmlns:r="http://schemas.openxmlformats.org/officeDocument/2006/relationships" xmlns:p="http://schemas.openxmlformats.org/presentationml/2006/main">
+  <p:cSld>
+    <p:spTree>
+      <p:nvGrpSpPr>
+        <p:cNvPr id="1" name=""/>
+        <p:cNvGrpSpPr/>
+        <p:nvPr/>
+      </p:nvGrpSpPr>
+      <p:grpSpPr>
+        <a:xfrm>
+          <a:off x="0" y="0"/>
+          <a:ext cx="0" cy="0"/>
+          <a:chOff x="0" y="0"/>
+          <a:chExt cx="0" cy="0"/>
+        </a:xfrm>
+      </p:grpSpPr>
+      <p:sp>
+        <p:nvSpPr>
+          <p:cNvPr id="2" name="タイトル 1">
+            <a:extLst>
+              <a:ext uri="{FF2B5EF4-FFF2-40B4-BE49-F238E27FC236}">
+                <a16:creationId xmlns:a16="http://schemas.microsoft.com/office/drawing/2014/main" id="{184E9FEB-D18E-49C5-93E7-F91D14408D46}"/>
+              </a:ext>
+            </a:extLst>
+          </p:cNvPr>
+          <p:cNvSpPr>
+            <a:spLocks noGrp="1"/>
+          </p:cNvSpPr>
+          <p:nvPr>
+            <p:ph type="title"/>
+          </p:nvPr>
+        </p:nvSpPr>
+        <p:spPr/>
+        <p:txBody>
+          <a:bodyPr/>
+          <a:lstStyle/>
+          <a:p>
+            <a:r>
+              <a:rPr kumimoji="1" lang="en-US" altLang="ja-JP" dirty="0"/>
+              <a:t>7.</a:t>
+            </a:r>
+            <a:r>
+              <a:rPr kumimoji="1" lang="ja-JP" altLang="en-US" dirty="0"/>
+              <a:t>構造体①</a:t>
+            </a:r>
+          </a:p>
+        </p:txBody>
+      </p:sp>
+      <p:sp>
+        <p:nvSpPr>
+          <p:cNvPr id="3" name="コンテンツ プレースホルダー 2">
+            <a:extLst>
+              <a:ext uri="{FF2B5EF4-FFF2-40B4-BE49-F238E27FC236}">
+                <a16:creationId xmlns:a16="http://schemas.microsoft.com/office/drawing/2014/main" id="{7B6006D5-F5AD-4D8D-AADC-1C771068B34E}"/>
+              </a:ext>
+            </a:extLst>
+          </p:cNvPr>
+          <p:cNvSpPr>
+            <a:spLocks noGrp="1"/>
+          </p:cNvSpPr>
+          <p:nvPr>
+            <p:ph idx="1"/>
+          </p:nvPr>
+        </p:nvSpPr>
+        <p:spPr>
+          <a:xfrm>
+            <a:off x="838200" y="1825624"/>
+            <a:ext cx="10515600" cy="5032375"/>
+          </a:xfrm>
+        </p:spPr>
+        <p:txBody>
+          <a:bodyPr/>
+          <a:lstStyle/>
+          <a:p>
+            <a:r>
+              <a:rPr kumimoji="1" lang="ja-JP" altLang="en-US" dirty="0"/>
+              <a:t>書き方</a:t>
+            </a:r>
+            <a:endParaRPr kumimoji="1" lang="en-US" altLang="ja-JP" dirty="0"/>
+          </a:p>
+          <a:p>
+            <a:pPr>
+              <a:buFontTx/>
+              <a:buChar char="-"/>
+            </a:pPr>
+            <a:r>
+              <a:rPr lang="en-US" altLang="ja-JP" dirty="0"/>
+              <a:t>struct </a:t>
+            </a:r>
+            <a:r>
+              <a:rPr lang="ja-JP" altLang="en-US" dirty="0"/>
+              <a:t>構造体名 </a:t>
+            </a:r>
+            <a:r>
+              <a:rPr lang="en-US" altLang="ja-JP" dirty="0"/>
+              <a:t>{</a:t>
+            </a:r>
+          </a:p>
+          <a:p>
+            <a:pPr marL="0" indent="0">
+              <a:buNone/>
+            </a:pPr>
+            <a:r>
+              <a:rPr kumimoji="1" lang="en-US" altLang="ja-JP" dirty="0"/>
+              <a:t>	</a:t>
+            </a:r>
+            <a:r>
+              <a:rPr kumimoji="1" lang="ja-JP" altLang="en-US" dirty="0"/>
+              <a:t>型名　変数名</a:t>
+            </a:r>
+            <a:r>
+              <a:rPr kumimoji="1" lang="en-US" altLang="ja-JP" dirty="0"/>
+              <a:t>;</a:t>
+            </a:r>
+          </a:p>
+          <a:p>
+            <a:pPr marL="0" indent="0">
+              <a:buNone/>
+            </a:pPr>
+            <a:r>
+              <a:rPr lang="en-US" altLang="ja-JP" dirty="0"/>
+              <a:t>	</a:t>
+            </a:r>
+            <a:r>
+              <a:rPr lang="ja-JP" altLang="en-US" dirty="0"/>
+              <a:t>型名　変数名</a:t>
+            </a:r>
+            <a:r>
+              <a:rPr lang="en-US" altLang="ja-JP" dirty="0"/>
+              <a:t>;</a:t>
+            </a:r>
+          </a:p>
+          <a:p>
+            <a:pPr marL="0" indent="0">
+              <a:buNone/>
+            </a:pPr>
+            <a:r>
+              <a:rPr lang="en-US" altLang="ja-JP" dirty="0"/>
+              <a:t>	</a:t>
+            </a:r>
+            <a:r>
+              <a:rPr lang="ja-JP" altLang="en-US" dirty="0"/>
+              <a:t>後は欲しいだけ入れる。配列も入れられる。</a:t>
+            </a:r>
+            <a:endParaRPr lang="en-US" altLang="ja-JP" dirty="0"/>
+          </a:p>
+          <a:p>
+            <a:pPr marL="0" indent="0">
+              <a:buNone/>
+            </a:pPr>
+            <a:r>
+              <a:rPr lang="en-US" altLang="ja-JP" dirty="0"/>
+              <a:t>};</a:t>
+            </a:r>
+          </a:p>
+          <a:p>
+            <a:r>
+              <a:rPr lang="ja-JP" altLang="en-US" dirty="0"/>
+              <a:t>違う型の変数を一つの変数にまとめる事が出来る。</a:t>
+            </a:r>
+            <a:endParaRPr lang="en-US" altLang="ja-JP" dirty="0"/>
+          </a:p>
+          <a:p>
+            <a:r>
+              <a:rPr lang="ja-JP" altLang="en-US" dirty="0"/>
+              <a:t>構造体を宣言するとそれは新しい型として使える。</a:t>
+            </a:r>
+            <a:endParaRPr lang="en-US" altLang="ja-JP" dirty="0"/>
+          </a:p>
+          <a:p>
+            <a:pPr marL="0" indent="0">
+              <a:buNone/>
+            </a:pPr>
+            <a:r>
+              <a:rPr lang="en-US" altLang="ja-JP" dirty="0"/>
+              <a:t>-</a:t>
+            </a:r>
+            <a:r>
+              <a:rPr lang="ja-JP" altLang="en-US" dirty="0"/>
+              <a:t> </a:t>
+            </a:r>
+            <a:r>
+              <a:rPr lang="en-US" altLang="ja-JP" dirty="0"/>
+              <a:t>struct </a:t>
+            </a:r>
+            <a:r>
+              <a:rPr lang="ja-JP" altLang="en-US" dirty="0"/>
+              <a:t>構造体名 変数名</a:t>
+            </a:r>
+            <a:r>
+              <a:rPr lang="en-US" altLang="ja-JP" dirty="0"/>
+              <a:t>;</a:t>
+            </a:r>
+            <a:r>
+              <a:rPr lang="ja-JP" altLang="en-US" dirty="0"/>
+              <a:t>　この様に書くと普通の型と同じように構造体変数を宣言出来る。</a:t>
+            </a:r>
+            <a:endParaRPr lang="en-US" altLang="ja-JP" dirty="0"/>
+          </a:p>
+        </p:txBody>
+      </p:sp>
+    </p:spTree>
+    <p:extLst>
+      <p:ext uri="{BB962C8B-B14F-4D97-AF65-F5344CB8AC3E}">
+        <p14:creationId xmlns:p14="http://schemas.microsoft.com/office/powerpoint/2010/main" val="710531113"/>
+      </p:ext>
+    </p:extLst>
+  </p:cSld>
+  <p:clrMapOvr>
+    <a:masterClrMapping/>
+  </p:clrMapOvr>
+</p:sld>
+</file>
+
+<file path=ppt/slides/slide25.xml><?xml version="1.0" encoding="utf-8"?>
+<p:sld xmlns:a="http://schemas.openxmlformats.org/drawingml/2006/main" xmlns:r="http://schemas.openxmlformats.org/officeDocument/2006/relationships" xmlns:p="http://schemas.openxmlformats.org/presentationml/2006/main">
+  <p:cSld>
+    <p:spTree>
+      <p:nvGrpSpPr>
+        <p:cNvPr id="1" name=""/>
+        <p:cNvGrpSpPr/>
+        <p:nvPr/>
+      </p:nvGrpSpPr>
+      <p:grpSpPr>
+        <a:xfrm>
+          <a:off x="0" y="0"/>
+          <a:ext cx="0" cy="0"/>
+          <a:chOff x="0" y="0"/>
+          <a:chExt cx="0" cy="0"/>
+        </a:xfrm>
+      </p:grpSpPr>
+      <p:sp>
+        <p:nvSpPr>
+          <p:cNvPr id="2" name="タイトル 1">
+            <a:extLst>
+              <a:ext uri="{FF2B5EF4-FFF2-40B4-BE49-F238E27FC236}">
+                <a16:creationId xmlns:a16="http://schemas.microsoft.com/office/drawing/2014/main" id="{74564C97-4D67-4552-A7F8-0BAFBB8CF56B}"/>
+              </a:ext>
+            </a:extLst>
+          </p:cNvPr>
+          <p:cNvSpPr>
+            <a:spLocks noGrp="1"/>
+          </p:cNvSpPr>
+          <p:nvPr>
+            <p:ph type="title"/>
+          </p:nvPr>
+        </p:nvSpPr>
+        <p:spPr/>
+        <p:txBody>
+          <a:bodyPr/>
+          <a:lstStyle/>
+          <a:p>
+            <a:r>
+              <a:rPr kumimoji="1" lang="en-US" altLang="ja-JP" dirty="0"/>
+              <a:t>7.</a:t>
+            </a:r>
+            <a:r>
+              <a:rPr kumimoji="1" lang="ja-JP" altLang="en-US" dirty="0"/>
+              <a:t>構造体②</a:t>
+            </a:r>
+          </a:p>
+        </p:txBody>
+      </p:sp>
+      <p:sp>
+        <p:nvSpPr>
+          <p:cNvPr id="3" name="コンテンツ プレースホルダー 2">
+            <a:extLst>
+              <a:ext uri="{FF2B5EF4-FFF2-40B4-BE49-F238E27FC236}">
+                <a16:creationId xmlns:a16="http://schemas.microsoft.com/office/drawing/2014/main" id="{443BD5BA-2487-4532-B8E8-B9E110DC630F}"/>
+              </a:ext>
+            </a:extLst>
+          </p:cNvPr>
+          <p:cNvSpPr>
+            <a:spLocks noGrp="1"/>
+          </p:cNvSpPr>
+          <p:nvPr>
+            <p:ph idx="1"/>
+          </p:nvPr>
+        </p:nvSpPr>
+        <p:spPr/>
+        <p:txBody>
+          <a:bodyPr>
+            <a:normAutofit lnSpcReduction="10000"/>
+          </a:bodyPr>
+          <a:lstStyle/>
+          <a:p>
+            <a:r>
+              <a:rPr lang="ja-JP" altLang="en-US" dirty="0"/>
+              <a:t>使用例</a:t>
+            </a:r>
+            <a:endParaRPr lang="en-US" altLang="ja-JP" dirty="0"/>
+          </a:p>
+          <a:p>
+            <a:pPr marL="0" indent="0">
+              <a:buNone/>
+            </a:pPr>
+            <a:r>
+              <a:rPr lang="en-US" altLang="ja-JP" dirty="0"/>
+              <a:t>s</a:t>
+            </a:r>
+            <a:r>
+              <a:rPr kumimoji="1" lang="en-US" altLang="ja-JP" dirty="0"/>
+              <a:t>truct people{  //</a:t>
+            </a:r>
+            <a:r>
+              <a:rPr lang="ja-JP" altLang="en-US" dirty="0"/>
+              <a:t>定義</a:t>
+            </a:r>
+            <a:endParaRPr kumimoji="1" lang="en-US" altLang="ja-JP" dirty="0"/>
+          </a:p>
+          <a:p>
+            <a:pPr marL="0" indent="0">
+              <a:buNone/>
+            </a:pPr>
+            <a:r>
+              <a:rPr lang="en-US" altLang="ja-JP" dirty="0"/>
+              <a:t>	int age;</a:t>
+            </a:r>
+          </a:p>
+          <a:p>
+            <a:pPr marL="0" indent="0">
+              <a:buNone/>
+            </a:pPr>
+            <a:r>
+              <a:rPr lang="en-US" altLang="ja-JP" dirty="0"/>
+              <a:t>	double height;</a:t>
+            </a:r>
+          </a:p>
+          <a:p>
+            <a:pPr marL="0" indent="0">
+              <a:buNone/>
+            </a:pPr>
+            <a:r>
+              <a:rPr lang="en-US" altLang="ja-JP" dirty="0"/>
+              <a:t>	char* name;</a:t>
+            </a:r>
+          </a:p>
+          <a:p>
+            <a:pPr marL="0" indent="0">
+              <a:buNone/>
+            </a:pPr>
+            <a:r>
+              <a:rPr kumimoji="1" lang="en-US" altLang="ja-JP" dirty="0"/>
+              <a:t>	};</a:t>
+            </a:r>
+          </a:p>
+          <a:p>
+            <a:pPr marL="0" indent="0">
+              <a:buNone/>
+            </a:pPr>
+            <a:r>
+              <a:rPr kumimoji="1" lang="en-US" altLang="ja-JP" dirty="0"/>
+              <a:t>struct people </a:t>
+            </a:r>
+            <a:r>
+              <a:rPr lang="en-US" altLang="ja-JP" dirty="0"/>
+              <a:t>human1</a:t>
+            </a:r>
+            <a:r>
+              <a:rPr kumimoji="1" lang="en-US" altLang="ja-JP" dirty="0"/>
+              <a:t>; //</a:t>
+            </a:r>
+            <a:r>
+              <a:rPr kumimoji="1" lang="ja-JP" altLang="en-US" dirty="0"/>
+              <a:t>使いたい時はこのように宣言する。</a:t>
+            </a:r>
+            <a:endParaRPr kumimoji="1" lang="en-US" altLang="ja-JP" dirty="0"/>
+          </a:p>
+          <a:p>
+            <a:r>
+              <a:rPr lang="ja-JP" altLang="en-US" dirty="0"/>
+              <a:t>こうすると</a:t>
+            </a:r>
+            <a:r>
+              <a:rPr lang="en-US" altLang="ja-JP" dirty="0"/>
+              <a:t>human1</a:t>
+            </a:r>
+            <a:r>
+              <a:rPr lang="ja-JP" altLang="en-US" dirty="0"/>
+              <a:t>という</a:t>
+            </a:r>
+            <a:r>
+              <a:rPr lang="en-US" altLang="ja-JP" dirty="0"/>
+              <a:t>char</a:t>
+            </a:r>
+            <a:r>
+              <a:rPr lang="ja-JP" altLang="en-US" dirty="0"/>
+              <a:t>型の配列</a:t>
+            </a:r>
+            <a:r>
+              <a:rPr lang="en-US" altLang="ja-JP" dirty="0"/>
+              <a:t>,int</a:t>
+            </a:r>
+            <a:r>
+              <a:rPr lang="ja-JP" altLang="en-US" dirty="0"/>
+              <a:t>型</a:t>
+            </a:r>
+            <a:r>
+              <a:rPr lang="en-US" altLang="ja-JP" dirty="0"/>
+              <a:t>,double</a:t>
+            </a:r>
+            <a:r>
+              <a:rPr lang="ja-JP" altLang="en-US" dirty="0"/>
+              <a:t>型</a:t>
+            </a:r>
+            <a:r>
+              <a:rPr lang="en-US" altLang="ja-JP" dirty="0"/>
+              <a:t>,</a:t>
+            </a:r>
+            <a:r>
+              <a:rPr lang="ja-JP" altLang="en-US" dirty="0"/>
+              <a:t>をもつ</a:t>
+            </a:r>
+            <a:r>
+              <a:rPr lang="en-US" altLang="ja-JP" dirty="0"/>
+              <a:t>human1</a:t>
+            </a:r>
+            <a:r>
+              <a:rPr lang="ja-JP" altLang="en-US" dirty="0"/>
+              <a:t>という構造体変数を宣言出来る。</a:t>
+            </a:r>
+            <a:endParaRPr lang="en-US" altLang="ja-JP" dirty="0"/>
+          </a:p>
+        </p:txBody>
+      </p:sp>
+    </p:spTree>
+    <p:extLst>
+      <p:ext uri="{BB962C8B-B14F-4D97-AF65-F5344CB8AC3E}">
+        <p14:creationId xmlns:p14="http://schemas.microsoft.com/office/powerpoint/2010/main" val="3145019926"/>
+      </p:ext>
+    </p:extLst>
+  </p:cSld>
+  <p:clrMapOvr>
+    <a:masterClrMapping/>
+  </p:clrMapOvr>
+</p:sld>
+</file>
+
+<file path=ppt/slides/slide26.xml><?xml version="1.0" encoding="utf-8"?>
+<p:sld xmlns:a="http://schemas.openxmlformats.org/drawingml/2006/main" xmlns:r="http://schemas.openxmlformats.org/officeDocument/2006/relationships" xmlns:p="http://schemas.openxmlformats.org/presentationml/2006/main">
+  <p:cSld>
+    <p:spTree>
+      <p:nvGrpSpPr>
+        <p:cNvPr id="1" name=""/>
+        <p:cNvGrpSpPr/>
+        <p:nvPr/>
+      </p:nvGrpSpPr>
+      <p:grpSpPr>
+        <a:xfrm>
+          <a:off x="0" y="0"/>
+          <a:ext cx="0" cy="0"/>
+          <a:chOff x="0" y="0"/>
+          <a:chExt cx="0" cy="0"/>
+        </a:xfrm>
+      </p:grpSpPr>
+      <p:sp>
+        <p:nvSpPr>
+          <p:cNvPr id="2" name="タイトル 1">
+            <a:extLst>
+              <a:ext uri="{FF2B5EF4-FFF2-40B4-BE49-F238E27FC236}">
+                <a16:creationId xmlns:a16="http://schemas.microsoft.com/office/drawing/2014/main" id="{C5F55AB8-782E-49FF-95C9-D191C1606AA4}"/>
+              </a:ext>
+            </a:extLst>
+          </p:cNvPr>
+          <p:cNvSpPr>
+            <a:spLocks noGrp="1"/>
+          </p:cNvSpPr>
+          <p:nvPr>
+            <p:ph type="title"/>
+          </p:nvPr>
+        </p:nvSpPr>
+        <p:spPr/>
+        <p:txBody>
+          <a:bodyPr/>
+          <a:lstStyle/>
+          <a:p>
+            <a:r>
+              <a:rPr kumimoji="1" lang="en-US" altLang="ja-JP" dirty="0"/>
+              <a:t>7.</a:t>
+            </a:r>
+            <a:r>
+              <a:rPr kumimoji="1" lang="ja-JP" altLang="en-US" dirty="0"/>
+              <a:t>構造体③</a:t>
+            </a:r>
+          </a:p>
+        </p:txBody>
+      </p:sp>
+      <p:sp>
+        <p:nvSpPr>
+          <p:cNvPr id="3" name="コンテンツ プレースホルダー 2">
+            <a:extLst>
+              <a:ext uri="{FF2B5EF4-FFF2-40B4-BE49-F238E27FC236}">
+                <a16:creationId xmlns:a16="http://schemas.microsoft.com/office/drawing/2014/main" id="{D3692001-DD7E-4B7B-89B5-41090E4CC4E0}"/>
+              </a:ext>
+            </a:extLst>
+          </p:cNvPr>
+          <p:cNvSpPr>
+            <a:spLocks noGrp="1"/>
+          </p:cNvSpPr>
+          <p:nvPr>
+            <p:ph idx="1"/>
+          </p:nvPr>
+        </p:nvSpPr>
+        <p:spPr>
+          <a:xfrm>
+            <a:off x="838199" y="1825625"/>
+            <a:ext cx="10936705" cy="4351338"/>
+          </a:xfrm>
+        </p:spPr>
+        <p:txBody>
+          <a:bodyPr/>
+          <a:lstStyle/>
+          <a:p>
+            <a:r>
+              <a:rPr lang="ja-JP" altLang="en-US" dirty="0"/>
+              <a:t>前スライドで定義した構造体が持つ変数</a:t>
+            </a:r>
+            <a:r>
+              <a:rPr lang="en-US" altLang="ja-JP" dirty="0"/>
+              <a:t>(age </a:t>
+            </a:r>
+            <a:r>
+              <a:rPr lang="ja-JP" altLang="en-US" dirty="0"/>
+              <a:t>や</a:t>
+            </a:r>
+            <a:r>
+              <a:rPr lang="en-US" altLang="ja-JP" dirty="0"/>
+              <a:t>height</a:t>
+            </a:r>
+            <a:r>
+              <a:rPr lang="ja-JP" altLang="en-US" dirty="0"/>
+              <a:t>など</a:t>
+            </a:r>
+            <a:r>
+              <a:rPr lang="en-US" altLang="ja-JP" dirty="0"/>
+              <a:t>)</a:t>
+            </a:r>
+            <a:r>
+              <a:rPr lang="ja-JP" altLang="en-US" dirty="0"/>
+              <a:t>をその構造体のメンバ変数と呼ぶ。メンバ変数にアクセスするためには</a:t>
+            </a:r>
+            <a:r>
+              <a:rPr lang="en-US" altLang="ja-JP" dirty="0"/>
+              <a:t>.</a:t>
+            </a:r>
+            <a:r>
+              <a:rPr lang="ja-JP" altLang="en-US" dirty="0"/>
+              <a:t>（ドット）を使う。</a:t>
+            </a:r>
+            <a:endParaRPr lang="en-US" altLang="ja-JP" dirty="0"/>
+          </a:p>
+          <a:p>
+            <a:pPr>
+              <a:buFontTx/>
+              <a:buChar char="-"/>
+            </a:pPr>
+            <a:r>
+              <a:rPr lang="en-US" altLang="ja-JP" dirty="0"/>
+              <a:t>human1</a:t>
+            </a:r>
+            <a:r>
+              <a:rPr kumimoji="1" lang="en-US" altLang="ja-JP" dirty="0"/>
+              <a:t>.</a:t>
+            </a:r>
+            <a:r>
+              <a:rPr lang="en-US" altLang="ja-JP" dirty="0"/>
+              <a:t>height = 174.9; //</a:t>
+            </a:r>
+            <a:r>
+              <a:rPr lang="ja-JP" altLang="en-US" dirty="0"/>
+              <a:t>作った構造体変数</a:t>
+            </a:r>
+            <a:r>
+              <a:rPr lang="en-US" altLang="ja-JP" dirty="0"/>
+              <a:t>human1</a:t>
+            </a:r>
+            <a:r>
+              <a:rPr lang="ja-JP" altLang="en-US" dirty="0"/>
+              <a:t>のメンバ変</a:t>
+            </a:r>
+            <a:endParaRPr lang="en-US" altLang="ja-JP" dirty="0"/>
+          </a:p>
+          <a:p>
+            <a:pPr>
+              <a:buFontTx/>
+              <a:buChar char="-"/>
+            </a:pPr>
+            <a:r>
+              <a:rPr kumimoji="1" lang="en-US" altLang="ja-JP" dirty="0"/>
+              <a:t>human1.name = “</a:t>
+            </a:r>
+            <a:r>
+              <a:rPr kumimoji="1" lang="en-US" altLang="ja-JP" dirty="0" err="1"/>
+              <a:t>inoue</a:t>
+            </a:r>
+            <a:r>
+              <a:rPr kumimoji="1" lang="en-US" altLang="ja-JP" dirty="0"/>
+              <a:t> </a:t>
+            </a:r>
+            <a:r>
+              <a:rPr kumimoji="1" lang="en-US" altLang="ja-JP" dirty="0" err="1"/>
+              <a:t>satoshi</a:t>
+            </a:r>
+            <a:r>
+              <a:rPr kumimoji="1" lang="en-US" altLang="ja-JP" dirty="0"/>
+              <a:t>”;//</a:t>
+            </a:r>
+            <a:r>
+              <a:rPr kumimoji="1" lang="ja-JP" altLang="en-US" dirty="0"/>
+              <a:t>数への代入</a:t>
+            </a:r>
+            <a:endParaRPr kumimoji="1" lang="en-US" altLang="ja-JP" dirty="0"/>
+          </a:p>
+          <a:p>
+            <a:r>
+              <a:rPr kumimoji="1" lang="ja-JP" altLang="en-US" dirty="0"/>
+              <a:t>メンバ変数も基本的に普通の変数と同じ様に使える。</a:t>
+            </a:r>
+          </a:p>
+        </p:txBody>
+      </p:sp>
+    </p:spTree>
+    <p:extLst>
+      <p:ext uri="{BB962C8B-B14F-4D97-AF65-F5344CB8AC3E}">
+        <p14:creationId xmlns:p14="http://schemas.microsoft.com/office/powerpoint/2010/main" val="3496611957"/>
+      </p:ext>
+    </p:extLst>
+  </p:cSld>
+  <p:clrMapOvr>
+    <a:masterClrMapping/>
+  </p:clrMapOvr>
+</p:sld>
+</file>
+
+<file path=ppt/slides/slide27.xml><?xml version="1.0" encoding="utf-8"?>
+<p:sld xmlns:a="http://schemas.openxmlformats.org/drawingml/2006/main" xmlns:r="http://schemas.openxmlformats.org/officeDocument/2006/relationships" xmlns:p="http://schemas.openxmlformats.org/presentationml/2006/main">
+  <p:cSld>
+    <p:spTree>
+      <p:nvGrpSpPr>
+        <p:cNvPr id="1" name=""/>
+        <p:cNvGrpSpPr/>
+        <p:nvPr/>
+      </p:nvGrpSpPr>
+      <p:grpSpPr>
+        <a:xfrm>
+          <a:off x="0" y="0"/>
+          <a:ext cx="0" cy="0"/>
+          <a:chOff x="0" y="0"/>
+          <a:chExt cx="0" cy="0"/>
+        </a:xfrm>
+      </p:grpSpPr>
+      <p:sp>
+        <p:nvSpPr>
+          <p:cNvPr id="2" name="タイトル 1">
+            <a:extLst>
+              <a:ext uri="{FF2B5EF4-FFF2-40B4-BE49-F238E27FC236}">
+                <a16:creationId xmlns:a16="http://schemas.microsoft.com/office/drawing/2014/main" id="{3FB9D9D7-F348-4E9B-B2CC-6C3546EB38D7}"/>
+              </a:ext>
+            </a:extLst>
+          </p:cNvPr>
+          <p:cNvSpPr>
+            <a:spLocks noGrp="1"/>
+          </p:cNvSpPr>
+          <p:nvPr>
+            <p:ph type="title"/>
+          </p:nvPr>
+        </p:nvSpPr>
+        <p:spPr/>
+        <p:txBody>
+          <a:bodyPr/>
+          <a:lstStyle/>
+          <a:p>
+            <a:r>
+              <a:rPr kumimoji="1" lang="en-US" altLang="ja-JP" dirty="0"/>
+              <a:t>7.</a:t>
+            </a:r>
+            <a:r>
+              <a:rPr kumimoji="1" lang="ja-JP" altLang="en-US" dirty="0"/>
+              <a:t>構造体④</a:t>
+            </a:r>
+          </a:p>
+        </p:txBody>
+      </p:sp>
+      <p:sp>
+        <p:nvSpPr>
+          <p:cNvPr id="3" name="コンテンツ プレースホルダー 2">
+            <a:extLst>
+              <a:ext uri="{FF2B5EF4-FFF2-40B4-BE49-F238E27FC236}">
+                <a16:creationId xmlns:a16="http://schemas.microsoft.com/office/drawing/2014/main" id="{2FE4317B-E81E-4B45-92AE-606D5438BAC1}"/>
+              </a:ext>
+            </a:extLst>
+          </p:cNvPr>
+          <p:cNvSpPr>
+            <a:spLocks noGrp="1"/>
+          </p:cNvSpPr>
+          <p:nvPr>
+            <p:ph idx="1"/>
+          </p:nvPr>
+        </p:nvSpPr>
+        <p:spPr/>
+        <p:txBody>
+          <a:bodyPr/>
+          <a:lstStyle/>
+          <a:p>
+            <a:r>
+              <a:rPr kumimoji="1" lang="ja-JP" altLang="en-US" dirty="0"/>
+              <a:t>構造体をなぜ使うのか？</a:t>
+            </a:r>
+            <a:endParaRPr kumimoji="1" lang="en-US" altLang="ja-JP" dirty="0"/>
+          </a:p>
+          <a:p>
+            <a:pPr marL="0" indent="0">
+              <a:buNone/>
+            </a:pPr>
+            <a:r>
+              <a:rPr kumimoji="1" lang="en-US" altLang="ja-JP" dirty="0"/>
+              <a:t>-</a:t>
+            </a:r>
+            <a:r>
+              <a:rPr kumimoji="1" lang="ja-JP" altLang="en-US" dirty="0"/>
+              <a:t>前スライドで作った</a:t>
+            </a:r>
+            <a:r>
+              <a:rPr kumimoji="1" lang="en-US" altLang="ja-JP" dirty="0"/>
+              <a:t>people</a:t>
+            </a:r>
+            <a:r>
+              <a:rPr kumimoji="1" lang="ja-JP" altLang="en-US" dirty="0"/>
+              <a:t>構造体はある人物に関する情報をひとまとめにしていた。これを構造体無しで実現しようとすると</a:t>
+            </a:r>
+            <a:endParaRPr kumimoji="1" lang="en-US" altLang="ja-JP" dirty="0"/>
+          </a:p>
+          <a:p>
+            <a:pPr marL="0" indent="0">
+              <a:buNone/>
+            </a:pPr>
+            <a:r>
+              <a:rPr lang="en-US" altLang="ja-JP" dirty="0"/>
+              <a:t>i</a:t>
+            </a:r>
+            <a:r>
+              <a:rPr kumimoji="1" lang="en-US" altLang="ja-JP" dirty="0"/>
+              <a:t>nt </a:t>
+            </a:r>
+            <a:r>
+              <a:rPr lang="en-US" altLang="ja-JP" dirty="0"/>
+              <a:t>human1</a:t>
+            </a:r>
+            <a:r>
+              <a:rPr kumimoji="1" lang="en-US" altLang="ja-JP" dirty="0"/>
+              <a:t>_age</a:t>
+            </a:r>
+            <a:r>
+              <a:rPr lang="en-US" altLang="ja-JP" dirty="0"/>
+              <a:t>;</a:t>
+            </a:r>
+          </a:p>
+          <a:p>
+            <a:pPr marL="0" indent="0">
+              <a:buNone/>
+            </a:pPr>
+            <a:r>
+              <a:rPr lang="en-US" altLang="ja-JP" dirty="0"/>
+              <a:t>double human1_height;</a:t>
+            </a:r>
+          </a:p>
+          <a:p>
+            <a:pPr marL="0" indent="0">
+              <a:buNone/>
+            </a:pPr>
+            <a:r>
+              <a:rPr lang="en-US" altLang="ja-JP" dirty="0"/>
+              <a:t>c</a:t>
+            </a:r>
+            <a:r>
+              <a:rPr kumimoji="1" lang="en-US" altLang="ja-JP" dirty="0"/>
+              <a:t>har* </a:t>
+            </a:r>
+            <a:r>
+              <a:rPr lang="en-US" altLang="ja-JP" dirty="0"/>
+              <a:t>human1</a:t>
+            </a:r>
+            <a:r>
+              <a:rPr kumimoji="1" lang="en-US" altLang="ja-JP" dirty="0"/>
+              <a:t>_name;</a:t>
+            </a:r>
+            <a:endParaRPr lang="en-US" altLang="ja-JP" dirty="0"/>
+          </a:p>
+          <a:p>
+            <a:pPr marL="0" indent="0">
+              <a:buNone/>
+            </a:pPr>
+            <a:r>
+              <a:rPr kumimoji="1" lang="ja-JP" altLang="en-US" dirty="0"/>
+              <a:t>の様に三つも変数を宣言しなくてはいけなくなる。一人分の情報が追加される度に変数が三つも増える事になって煩雑になりすぎる。</a:t>
+            </a:r>
+            <a:endParaRPr kumimoji="1" lang="en-US" altLang="ja-JP" dirty="0"/>
+          </a:p>
+        </p:txBody>
+      </p:sp>
+    </p:spTree>
+    <p:extLst>
+      <p:ext uri="{BB962C8B-B14F-4D97-AF65-F5344CB8AC3E}">
+        <p14:creationId xmlns:p14="http://schemas.microsoft.com/office/powerpoint/2010/main" val="1182068208"/>
+      </p:ext>
+    </p:extLst>
+  </p:cSld>
+  <p:clrMapOvr>
+    <a:masterClrMapping/>
+  </p:clrMapOvr>
+</p:sld>
+</file>
+
+<file path=ppt/slides/slide28.xml><?xml version="1.0" encoding="utf-8"?>
+<p:sld xmlns:a="http://schemas.openxmlformats.org/drawingml/2006/main" xmlns:r="http://schemas.openxmlformats.org/officeDocument/2006/relationships" xmlns:p="http://schemas.openxmlformats.org/presentationml/2006/main">
+  <p:cSld>
+    <p:spTree>
+      <p:nvGrpSpPr>
+        <p:cNvPr id="1" name=""/>
+        <p:cNvGrpSpPr/>
+        <p:nvPr/>
+      </p:nvGrpSpPr>
+      <p:grpSpPr>
+        <a:xfrm>
+          <a:off x="0" y="0"/>
+          <a:ext cx="0" cy="0"/>
+          <a:chOff x="0" y="0"/>
+          <a:chExt cx="0" cy="0"/>
+        </a:xfrm>
+      </p:grpSpPr>
+      <p:sp>
+        <p:nvSpPr>
+          <p:cNvPr id="2" name="タイトル 1">
+            <a:extLst>
+              <a:ext uri="{FF2B5EF4-FFF2-40B4-BE49-F238E27FC236}">
+                <a16:creationId xmlns:a16="http://schemas.microsoft.com/office/drawing/2014/main" id="{7EE0AD76-DD57-4233-9E91-F68E36C0438B}"/>
+              </a:ext>
+            </a:extLst>
+          </p:cNvPr>
+          <p:cNvSpPr>
+            <a:spLocks noGrp="1"/>
+          </p:cNvSpPr>
+          <p:nvPr>
+            <p:ph type="title"/>
+          </p:nvPr>
+        </p:nvSpPr>
+        <p:spPr/>
+        <p:txBody>
+          <a:bodyPr/>
+          <a:lstStyle/>
+          <a:p>
+            <a:r>
+              <a:rPr kumimoji="1" lang="en-US" altLang="ja-JP" dirty="0"/>
+              <a:t>7.</a:t>
+            </a:r>
+            <a:r>
+              <a:rPr kumimoji="1" lang="ja-JP" altLang="en-US" dirty="0"/>
+              <a:t>構造体⑤</a:t>
+            </a:r>
+          </a:p>
+        </p:txBody>
+      </p:sp>
+      <p:sp>
+        <p:nvSpPr>
+          <p:cNvPr id="3" name="コンテンツ プレースホルダー 2">
+            <a:extLst>
+              <a:ext uri="{FF2B5EF4-FFF2-40B4-BE49-F238E27FC236}">
+                <a16:creationId xmlns:a16="http://schemas.microsoft.com/office/drawing/2014/main" id="{364AF74D-8000-449E-B293-11045C494F3D}"/>
+              </a:ext>
+            </a:extLst>
+          </p:cNvPr>
+          <p:cNvSpPr>
+            <a:spLocks noGrp="1"/>
+          </p:cNvSpPr>
+          <p:nvPr>
+            <p:ph idx="1"/>
+          </p:nvPr>
+        </p:nvSpPr>
+        <p:spPr/>
+        <p:txBody>
+          <a:bodyPr/>
+          <a:lstStyle/>
+          <a:p>
+            <a:r>
+              <a:rPr kumimoji="1" lang="ja-JP" altLang="en-US" dirty="0"/>
+              <a:t>続き</a:t>
+            </a:r>
+            <a:endParaRPr kumimoji="1" lang="en-US" altLang="ja-JP" dirty="0"/>
+          </a:p>
+          <a:p>
+            <a:pPr>
+              <a:buFontTx/>
+              <a:buChar char="-"/>
+            </a:pPr>
+            <a:r>
+              <a:rPr lang="ja-JP" altLang="en-US" dirty="0"/>
+              <a:t>構造体はそれの配列を作る事も出来る。先ほどの</a:t>
+            </a:r>
+            <a:r>
+              <a:rPr lang="en-US" altLang="ja-JP" dirty="0"/>
+              <a:t>people</a:t>
+            </a:r>
+            <a:r>
+              <a:rPr lang="ja-JP" altLang="en-US" dirty="0"/>
+              <a:t>構造体で配列を作る場合</a:t>
+            </a:r>
+            <a:endParaRPr lang="en-US" altLang="ja-JP" dirty="0"/>
+          </a:p>
+          <a:p>
+            <a:pPr marL="0" indent="0">
+              <a:buNone/>
+            </a:pPr>
+            <a:r>
+              <a:rPr lang="en-US" altLang="ja-JP" dirty="0"/>
+              <a:t>struct p</a:t>
+            </a:r>
+            <a:r>
+              <a:rPr kumimoji="1" lang="en-US" altLang="ja-JP" dirty="0"/>
+              <a:t>eople </a:t>
+            </a:r>
+            <a:r>
+              <a:rPr kumimoji="1" lang="en-US" altLang="ja-JP" dirty="0" err="1"/>
+              <a:t>people_list</a:t>
+            </a:r>
+            <a:r>
+              <a:rPr kumimoji="1" lang="en-US" altLang="ja-JP" dirty="0"/>
+              <a:t>[100];</a:t>
+            </a:r>
+          </a:p>
+          <a:p>
+            <a:pPr marL="0" indent="0">
+              <a:buNone/>
+            </a:pPr>
+            <a:r>
+              <a:rPr lang="ja-JP" altLang="en-US" dirty="0"/>
+              <a:t>の様に宣言すると</a:t>
+            </a:r>
+            <a:r>
+              <a:rPr lang="en-US" altLang="ja-JP" dirty="0"/>
+              <a:t>100</a:t>
+            </a:r>
+            <a:r>
+              <a:rPr lang="ja-JP" altLang="en-US" dirty="0"/>
+              <a:t>人分の名簿が作れる！</a:t>
+            </a:r>
+            <a:endParaRPr lang="en-US" altLang="ja-JP" dirty="0"/>
+          </a:p>
+          <a:p>
+            <a:pPr marL="0" indent="0">
+              <a:buNone/>
+            </a:pPr>
+            <a:r>
+              <a:rPr lang="en-US" altLang="ja-JP" dirty="0" err="1"/>
+              <a:t>p</a:t>
+            </a:r>
+            <a:r>
+              <a:rPr kumimoji="1" lang="en-US" altLang="ja-JP" dirty="0" err="1"/>
+              <a:t>eople_list</a:t>
+            </a:r>
+            <a:r>
+              <a:rPr kumimoji="1" lang="en-US" altLang="ja-JP" dirty="0"/>
+              <a:t>[0].name = “</a:t>
+            </a:r>
+            <a:r>
+              <a:rPr kumimoji="1" lang="en-US" altLang="ja-JP" dirty="0" err="1"/>
+              <a:t>inoue</a:t>
+            </a:r>
+            <a:r>
+              <a:rPr kumimoji="1" lang="en-US" altLang="ja-JP" dirty="0"/>
+              <a:t> </a:t>
+            </a:r>
+            <a:r>
+              <a:rPr kumimoji="1" lang="en-US" altLang="ja-JP" dirty="0" err="1"/>
+              <a:t>satoshi</a:t>
+            </a:r>
+            <a:r>
+              <a:rPr kumimoji="1" lang="en-US" altLang="ja-JP" dirty="0"/>
+              <a:t>”;</a:t>
+            </a:r>
+          </a:p>
+          <a:p>
+            <a:pPr marL="0" indent="0">
+              <a:buNone/>
+            </a:pPr>
+            <a:r>
+              <a:rPr lang="en-US" altLang="ja-JP" dirty="0" err="1"/>
+              <a:t>people_list</a:t>
+            </a:r>
+            <a:r>
+              <a:rPr lang="en-US" altLang="ja-JP" dirty="0"/>
+              <a:t>[1].name = “</a:t>
+            </a:r>
+            <a:r>
+              <a:rPr lang="en-US" altLang="ja-JP" dirty="0" err="1"/>
+              <a:t>miura</a:t>
+            </a:r>
+            <a:r>
+              <a:rPr lang="en-US" altLang="ja-JP" dirty="0"/>
+              <a:t> </a:t>
+            </a:r>
+            <a:r>
+              <a:rPr lang="en-US" altLang="ja-JP" dirty="0" err="1"/>
+              <a:t>azusa</a:t>
+            </a:r>
+            <a:r>
+              <a:rPr lang="en-US" altLang="ja-JP" dirty="0"/>
+              <a:t>”; </a:t>
+            </a:r>
+          </a:p>
+          <a:p>
+            <a:pPr marL="0" indent="0">
+              <a:buNone/>
+            </a:pPr>
+            <a:r>
+              <a:rPr lang="ja-JP" altLang="en-US" dirty="0"/>
+              <a:t>二人の名前が記録された名簿が出来た。他の情報も追加すれば完璧</a:t>
+            </a:r>
+            <a:endParaRPr lang="en-US" altLang="ja-JP" dirty="0"/>
+          </a:p>
+          <a:p>
+            <a:pPr marL="0" indent="0">
+              <a:buNone/>
+            </a:pPr>
+            <a:endParaRPr kumimoji="1" lang="ja-JP" altLang="en-US" dirty="0"/>
+          </a:p>
+        </p:txBody>
+      </p:sp>
+    </p:spTree>
+    <p:extLst>
+      <p:ext uri="{BB962C8B-B14F-4D97-AF65-F5344CB8AC3E}">
+        <p14:creationId xmlns:p14="http://schemas.microsoft.com/office/powerpoint/2010/main" val="1729119468"/>
+      </p:ext>
+    </p:extLst>
+  </p:cSld>
+  <p:clrMapOvr>
+    <a:masterClrMapping/>
+  </p:clrMapOvr>
+</p:sld>
+</file>
+
+<file path=ppt/slides/slide29.xml><?xml version="1.0" encoding="utf-8"?>
+<p:sld xmlns:a="http://schemas.openxmlformats.org/drawingml/2006/main" xmlns:r="http://schemas.openxmlformats.org/officeDocument/2006/relationships" xmlns:p="http://schemas.openxmlformats.org/presentationml/2006/main">
+  <p:cSld>
+    <p:spTree>
+      <p:nvGrpSpPr>
+        <p:cNvPr id="1" name=""/>
+        <p:cNvGrpSpPr/>
+        <p:nvPr/>
+      </p:nvGrpSpPr>
+      <p:grpSpPr>
+        <a:xfrm>
+          <a:off x="0" y="0"/>
+          <a:ext cx="0" cy="0"/>
+          <a:chOff x="0" y="0"/>
+          <a:chExt cx="0" cy="0"/>
+        </a:xfrm>
+      </p:grpSpPr>
+      <p:sp>
+        <p:nvSpPr>
+          <p:cNvPr id="2" name="タイトル 1">
+            <a:extLst>
+              <a:ext uri="{FF2B5EF4-FFF2-40B4-BE49-F238E27FC236}">
+                <a16:creationId xmlns:a16="http://schemas.microsoft.com/office/drawing/2014/main" id="{746C2E38-C542-4BBC-932C-59182D6FCAEF}"/>
+              </a:ext>
+            </a:extLst>
+          </p:cNvPr>
+          <p:cNvSpPr>
+            <a:spLocks noGrp="1"/>
+          </p:cNvSpPr>
+          <p:nvPr>
+            <p:ph type="title"/>
+          </p:nvPr>
+        </p:nvSpPr>
+        <p:spPr/>
+        <p:txBody>
+          <a:bodyPr/>
+          <a:lstStyle/>
+          <a:p>
+            <a:r>
+              <a:rPr lang="ja-JP" altLang="en-US" dirty="0"/>
+              <a:t>確認問題</a:t>
+            </a:r>
+            <a:endParaRPr kumimoji="1" lang="ja-JP" altLang="en-US" dirty="0"/>
+          </a:p>
+        </p:txBody>
+      </p:sp>
+      <p:sp>
+        <p:nvSpPr>
+          <p:cNvPr id="3" name="コンテンツ プレースホルダー 2">
+            <a:extLst>
+              <a:ext uri="{FF2B5EF4-FFF2-40B4-BE49-F238E27FC236}">
+                <a16:creationId xmlns:a16="http://schemas.microsoft.com/office/drawing/2014/main" id="{666A79E8-AA90-4D64-BC6D-9BF7DE9DD8C3}"/>
+              </a:ext>
+            </a:extLst>
+          </p:cNvPr>
+          <p:cNvSpPr>
+            <a:spLocks noGrp="1"/>
+          </p:cNvSpPr>
+          <p:nvPr>
+            <p:ph idx="1"/>
+          </p:nvPr>
+        </p:nvSpPr>
+        <p:spPr/>
+        <p:txBody>
+          <a:bodyPr/>
+          <a:lstStyle/>
+          <a:p>
+            <a:r>
+              <a:rPr kumimoji="1" lang="en-US" altLang="ja-JP" dirty="0"/>
+              <a:t>https://github.com/AD58-3104/brains_c_study/blob/main/quiz/quiz7_struct.c</a:t>
+            </a:r>
+            <a:endParaRPr kumimoji="1" lang="ja-JP" altLang="en-US" dirty="0"/>
+          </a:p>
+        </p:txBody>
+      </p:sp>
+    </p:spTree>
+    <p:extLst>
+      <p:ext uri="{BB962C8B-B14F-4D97-AF65-F5344CB8AC3E}">
+        <p14:creationId xmlns:p14="http://schemas.microsoft.com/office/powerpoint/2010/main" val="2731850203"/>
       </p:ext>
     </p:extLst>
   </p:cSld>
@@ -6686,6 +7962,810 @@
     <p:extLst>
       <p:ext uri="{BB962C8B-B14F-4D97-AF65-F5344CB8AC3E}">
         <p14:creationId xmlns:p14="http://schemas.microsoft.com/office/powerpoint/2010/main" val="4080225931"/>
+      </p:ext>
+    </p:extLst>
+  </p:cSld>
+  <p:clrMapOvr>
+    <a:masterClrMapping/>
+  </p:clrMapOvr>
+</p:sld>
+</file>
+
+<file path=ppt/slides/slide30.xml><?xml version="1.0" encoding="utf-8"?>
+<p:sld xmlns:a="http://schemas.openxmlformats.org/drawingml/2006/main" xmlns:r="http://schemas.openxmlformats.org/officeDocument/2006/relationships" xmlns:p="http://schemas.openxmlformats.org/presentationml/2006/main">
+  <p:cSld>
+    <p:spTree>
+      <p:nvGrpSpPr>
+        <p:cNvPr id="1" name=""/>
+        <p:cNvGrpSpPr/>
+        <p:nvPr/>
+      </p:nvGrpSpPr>
+      <p:grpSpPr>
+        <a:xfrm>
+          <a:off x="0" y="0"/>
+          <a:ext cx="0" cy="0"/>
+          <a:chOff x="0" y="0"/>
+          <a:chExt cx="0" cy="0"/>
+        </a:xfrm>
+      </p:grpSpPr>
+      <p:sp>
+        <p:nvSpPr>
+          <p:cNvPr id="2" name="タイトル 1">
+            <a:extLst>
+              <a:ext uri="{FF2B5EF4-FFF2-40B4-BE49-F238E27FC236}">
+                <a16:creationId xmlns:a16="http://schemas.microsoft.com/office/drawing/2014/main" id="{ADA5AA8A-9D50-42B0-981E-D7C5563CCB9A}"/>
+              </a:ext>
+            </a:extLst>
+          </p:cNvPr>
+          <p:cNvSpPr>
+            <a:spLocks noGrp="1"/>
+          </p:cNvSpPr>
+          <p:nvPr>
+            <p:ph type="title"/>
+          </p:nvPr>
+        </p:nvSpPr>
+        <p:spPr/>
+        <p:txBody>
+          <a:bodyPr/>
+          <a:lstStyle/>
+          <a:p>
+            <a:r>
+              <a:rPr kumimoji="1" lang="en-US" altLang="ja-JP" dirty="0"/>
+              <a:t>8.</a:t>
+            </a:r>
+            <a:r>
+              <a:rPr kumimoji="1" lang="ja-JP" altLang="en-US" dirty="0"/>
+              <a:t>ポインタ①</a:t>
+            </a:r>
+          </a:p>
+        </p:txBody>
+      </p:sp>
+      <p:sp>
+        <p:nvSpPr>
+          <p:cNvPr id="3" name="コンテンツ プレースホルダー 2">
+            <a:extLst>
+              <a:ext uri="{FF2B5EF4-FFF2-40B4-BE49-F238E27FC236}">
+                <a16:creationId xmlns:a16="http://schemas.microsoft.com/office/drawing/2014/main" id="{329D0632-F8CD-443E-93AB-FEEA49EE317C}"/>
+              </a:ext>
+            </a:extLst>
+          </p:cNvPr>
+          <p:cNvSpPr>
+            <a:spLocks noGrp="1"/>
+          </p:cNvSpPr>
+          <p:nvPr>
+            <p:ph idx="1"/>
+          </p:nvPr>
+        </p:nvSpPr>
+        <p:spPr/>
+        <p:txBody>
+          <a:bodyPr>
+            <a:normAutofit/>
+          </a:bodyPr>
+          <a:lstStyle/>
+          <a:p>
+            <a:r>
+              <a:rPr lang="ja-JP" altLang="en-US" dirty="0"/>
+              <a:t>はじめに</a:t>
+            </a:r>
+            <a:endParaRPr lang="en-US" altLang="ja-JP" dirty="0"/>
+          </a:p>
+          <a:p>
+            <a:pPr marL="0" indent="0">
+              <a:buNone/>
+            </a:pPr>
+            <a:r>
+              <a:rPr kumimoji="1" lang="en-US" altLang="ja-JP" dirty="0"/>
+              <a:t>-</a:t>
+            </a:r>
+            <a:r>
+              <a:rPr lang="en-US" altLang="ja-JP" dirty="0"/>
+              <a:t>c</a:t>
+            </a:r>
+            <a:r>
+              <a:rPr lang="ja-JP" altLang="en-US" dirty="0"/>
+              <a:t>言語でプログラムを動かす時そこで使われる「変数」はメモリ</a:t>
+            </a:r>
+            <a:r>
+              <a:rPr lang="en-US" altLang="ja-JP" dirty="0"/>
+              <a:t>(RAM)</a:t>
+            </a:r>
+            <a:r>
+              <a:rPr lang="ja-JP" altLang="en-US" dirty="0"/>
+              <a:t>上に記録される。そのメモリには番地（アドレス）が存在する。アドレスが分かっていればそこにアクセスする事で記録されている変数にアクセスできる。</a:t>
+            </a:r>
+            <a:endParaRPr lang="en-US" altLang="ja-JP" dirty="0"/>
+          </a:p>
+          <a:p>
+            <a:pPr marL="0" indent="0">
+              <a:buNone/>
+            </a:pPr>
+            <a:r>
+              <a:rPr lang="en-US" altLang="ja-JP" dirty="0"/>
+              <a:t>-</a:t>
+            </a:r>
+            <a:r>
+              <a:rPr lang="ja-JP" altLang="en-US" dirty="0"/>
+              <a:t>上の解説は不十分なので以下のリンクを読んで下さい</a:t>
+            </a:r>
+            <a:endParaRPr lang="en-US" altLang="ja-JP" dirty="0"/>
+          </a:p>
+          <a:p>
+            <a:pPr marL="0" indent="0">
+              <a:buNone/>
+            </a:pPr>
+            <a:r>
+              <a:rPr lang="en-US" altLang="ja-JP" dirty="0">
+                <a:hlinkClick r:id="rId2"/>
+              </a:rPr>
+              <a:t>https://programming-place.net/ppp/contents/c/031.html</a:t>
+            </a:r>
+            <a:endParaRPr lang="en-US" altLang="ja-JP" dirty="0"/>
+          </a:p>
+          <a:p>
+            <a:pPr marL="0" indent="0">
+              <a:buNone/>
+            </a:pPr>
+            <a:r>
+              <a:rPr lang="ja-JP" altLang="en-US" dirty="0">
+                <a:hlinkClick r:id="rId3"/>
+              </a:rPr>
+              <a:t>リンク（長いので短縮）</a:t>
+            </a:r>
+            <a:endParaRPr lang="en-US" altLang="ja-JP" dirty="0"/>
+          </a:p>
+          <a:p>
+            <a:pPr marL="0" indent="0">
+              <a:buNone/>
+            </a:pPr>
+            <a:r>
+              <a:rPr lang="en-US" altLang="ja-JP" dirty="0">
+                <a:hlinkClick r:id="rId4"/>
+              </a:rPr>
+              <a:t>https://qiita.com/yz2cm/items/01908cdfe56c304f2a14</a:t>
+            </a:r>
+            <a:endParaRPr lang="en-US" altLang="ja-JP" dirty="0"/>
+          </a:p>
+        </p:txBody>
+      </p:sp>
+    </p:spTree>
+    <p:extLst>
+      <p:ext uri="{BB962C8B-B14F-4D97-AF65-F5344CB8AC3E}">
+        <p14:creationId xmlns:p14="http://schemas.microsoft.com/office/powerpoint/2010/main" val="4280689904"/>
+      </p:ext>
+    </p:extLst>
+  </p:cSld>
+  <p:clrMapOvr>
+    <a:masterClrMapping/>
+  </p:clrMapOvr>
+</p:sld>
+</file>
+
+<file path=ppt/slides/slide31.xml><?xml version="1.0" encoding="utf-8"?>
+<p:sld xmlns:a="http://schemas.openxmlformats.org/drawingml/2006/main" xmlns:r="http://schemas.openxmlformats.org/officeDocument/2006/relationships" xmlns:p="http://schemas.openxmlformats.org/presentationml/2006/main">
+  <p:cSld>
+    <p:spTree>
+      <p:nvGrpSpPr>
+        <p:cNvPr id="1" name=""/>
+        <p:cNvGrpSpPr/>
+        <p:nvPr/>
+      </p:nvGrpSpPr>
+      <p:grpSpPr>
+        <a:xfrm>
+          <a:off x="0" y="0"/>
+          <a:ext cx="0" cy="0"/>
+          <a:chOff x="0" y="0"/>
+          <a:chExt cx="0" cy="0"/>
+        </a:xfrm>
+      </p:grpSpPr>
+      <p:sp>
+        <p:nvSpPr>
+          <p:cNvPr id="2" name="タイトル 1">
+            <a:extLst>
+              <a:ext uri="{FF2B5EF4-FFF2-40B4-BE49-F238E27FC236}">
+                <a16:creationId xmlns:a16="http://schemas.microsoft.com/office/drawing/2014/main" id="{BF4A5568-E564-4A8D-B402-3A90C7345728}"/>
+              </a:ext>
+            </a:extLst>
+          </p:cNvPr>
+          <p:cNvSpPr>
+            <a:spLocks noGrp="1"/>
+          </p:cNvSpPr>
+          <p:nvPr>
+            <p:ph type="title"/>
+          </p:nvPr>
+        </p:nvSpPr>
+        <p:spPr/>
+        <p:txBody>
+          <a:bodyPr/>
+          <a:lstStyle/>
+          <a:p>
+            <a:r>
+              <a:rPr kumimoji="1" lang="en-US" altLang="ja-JP" dirty="0"/>
+              <a:t>8.</a:t>
+            </a:r>
+            <a:r>
+              <a:rPr kumimoji="1" lang="ja-JP" altLang="en-US" dirty="0"/>
+              <a:t>ポインタ②</a:t>
+            </a:r>
+          </a:p>
+        </p:txBody>
+      </p:sp>
+      <p:sp>
+        <p:nvSpPr>
+          <p:cNvPr id="3" name="コンテンツ プレースホルダー 2">
+            <a:extLst>
+              <a:ext uri="{FF2B5EF4-FFF2-40B4-BE49-F238E27FC236}">
+                <a16:creationId xmlns:a16="http://schemas.microsoft.com/office/drawing/2014/main" id="{5BBAC135-5981-4021-8DDD-3FE4AEB14866}"/>
+              </a:ext>
+            </a:extLst>
+          </p:cNvPr>
+          <p:cNvSpPr>
+            <a:spLocks noGrp="1"/>
+          </p:cNvSpPr>
+          <p:nvPr>
+            <p:ph idx="1"/>
+          </p:nvPr>
+        </p:nvSpPr>
+        <p:spPr/>
+        <p:txBody>
+          <a:bodyPr/>
+          <a:lstStyle/>
+          <a:p>
+            <a:r>
+              <a:rPr kumimoji="1" lang="ja-JP" altLang="en-US" dirty="0"/>
+              <a:t>ポインタを使うと何が便利なのか？</a:t>
+            </a:r>
+            <a:endParaRPr kumimoji="1" lang="en-US" altLang="ja-JP" dirty="0"/>
+          </a:p>
+          <a:p>
+            <a:pPr>
+              <a:buFontTx/>
+              <a:buChar char="-"/>
+            </a:pPr>
+            <a:r>
+              <a:rPr lang="ja-JP" altLang="en-US" dirty="0"/>
+              <a:t>関数の引数に渡した変数は普通はそのコピーが渡される。その為変更しても元の変数に影響はない。</a:t>
+            </a:r>
+            <a:endParaRPr lang="en-US" altLang="ja-JP" dirty="0"/>
+          </a:p>
+          <a:p>
+            <a:pPr marL="0" indent="0">
+              <a:buNone/>
+            </a:pPr>
+            <a:r>
+              <a:rPr lang="en-US" altLang="ja-JP" dirty="0"/>
+              <a:t>void </a:t>
+            </a:r>
+            <a:r>
+              <a:rPr lang="en-US" altLang="ja-JP" dirty="0" err="1"/>
+              <a:t>func</a:t>
+            </a:r>
+            <a:r>
+              <a:rPr lang="en-US" altLang="ja-JP" dirty="0"/>
+              <a:t>(int a){ a = 283; }</a:t>
+            </a:r>
+          </a:p>
+          <a:p>
+            <a:pPr marL="0" indent="0">
+              <a:buNone/>
+            </a:pPr>
+            <a:r>
+              <a:rPr lang="en-US" altLang="ja-JP" dirty="0"/>
+              <a:t>i</a:t>
+            </a:r>
+            <a:r>
+              <a:rPr kumimoji="1" lang="en-US" altLang="ja-JP" dirty="0"/>
+              <a:t>nt main(){</a:t>
+            </a:r>
+          </a:p>
+          <a:p>
+            <a:pPr marL="0" indent="0">
+              <a:buNone/>
+            </a:pPr>
+            <a:r>
+              <a:rPr lang="en-US" altLang="ja-JP" dirty="0"/>
+              <a:t>	</a:t>
+            </a:r>
+            <a:r>
+              <a:rPr kumimoji="1" lang="en-US" altLang="ja-JP" dirty="0"/>
+              <a:t>int num = 765; </a:t>
+            </a:r>
+          </a:p>
+          <a:p>
+            <a:pPr marL="0" indent="0">
+              <a:buNone/>
+            </a:pPr>
+            <a:r>
+              <a:rPr lang="en-US" altLang="ja-JP" dirty="0"/>
+              <a:t>	</a:t>
+            </a:r>
+            <a:r>
+              <a:rPr lang="en-US" altLang="ja-JP" dirty="0" err="1"/>
+              <a:t>func</a:t>
+            </a:r>
+            <a:r>
+              <a:rPr lang="en-US" altLang="ja-JP" dirty="0"/>
+              <a:t>(num);</a:t>
+            </a:r>
+            <a:r>
+              <a:rPr kumimoji="1" lang="en-US" altLang="ja-JP" dirty="0"/>
+              <a:t>}</a:t>
+            </a:r>
+          </a:p>
+          <a:p>
+            <a:pPr marL="0" indent="0">
+              <a:buNone/>
+            </a:pPr>
+            <a:r>
+              <a:rPr lang="ja-JP" altLang="en-US" dirty="0"/>
+              <a:t>この様にしても</a:t>
+            </a:r>
+            <a:r>
+              <a:rPr lang="en-US" altLang="ja-JP" dirty="0"/>
+              <a:t>num</a:t>
+            </a:r>
+            <a:r>
+              <a:rPr lang="ja-JP" altLang="en-US" dirty="0"/>
+              <a:t>は</a:t>
+            </a:r>
+            <a:r>
+              <a:rPr lang="en-US" altLang="ja-JP" dirty="0"/>
+              <a:t>765</a:t>
+            </a:r>
+            <a:r>
+              <a:rPr lang="ja-JP" altLang="en-US" dirty="0"/>
+              <a:t>のまま。</a:t>
+            </a:r>
+            <a:endParaRPr kumimoji="1" lang="ja-JP" altLang="en-US" dirty="0"/>
+          </a:p>
+        </p:txBody>
+      </p:sp>
+    </p:spTree>
+    <p:extLst>
+      <p:ext uri="{BB962C8B-B14F-4D97-AF65-F5344CB8AC3E}">
+        <p14:creationId xmlns:p14="http://schemas.microsoft.com/office/powerpoint/2010/main" val="1824792478"/>
+      </p:ext>
+    </p:extLst>
+  </p:cSld>
+  <p:clrMapOvr>
+    <a:masterClrMapping/>
+  </p:clrMapOvr>
+</p:sld>
+</file>
+
+<file path=ppt/slides/slide32.xml><?xml version="1.0" encoding="utf-8"?>
+<p:sld xmlns:a="http://schemas.openxmlformats.org/drawingml/2006/main" xmlns:r="http://schemas.openxmlformats.org/officeDocument/2006/relationships" xmlns:p="http://schemas.openxmlformats.org/presentationml/2006/main">
+  <p:cSld>
+    <p:spTree>
+      <p:nvGrpSpPr>
+        <p:cNvPr id="1" name=""/>
+        <p:cNvGrpSpPr/>
+        <p:nvPr/>
+      </p:nvGrpSpPr>
+      <p:grpSpPr>
+        <a:xfrm>
+          <a:off x="0" y="0"/>
+          <a:ext cx="0" cy="0"/>
+          <a:chOff x="0" y="0"/>
+          <a:chExt cx="0" cy="0"/>
+        </a:xfrm>
+      </p:grpSpPr>
+      <p:sp>
+        <p:nvSpPr>
+          <p:cNvPr id="2" name="タイトル 1">
+            <a:extLst>
+              <a:ext uri="{FF2B5EF4-FFF2-40B4-BE49-F238E27FC236}">
+                <a16:creationId xmlns:a16="http://schemas.microsoft.com/office/drawing/2014/main" id="{DFEFD73A-653E-472D-9C8A-C2899245953F}"/>
+              </a:ext>
+            </a:extLst>
+          </p:cNvPr>
+          <p:cNvSpPr>
+            <a:spLocks noGrp="1"/>
+          </p:cNvSpPr>
+          <p:nvPr>
+            <p:ph type="title"/>
+          </p:nvPr>
+        </p:nvSpPr>
+        <p:spPr/>
+        <p:txBody>
+          <a:bodyPr/>
+          <a:lstStyle/>
+          <a:p>
+            <a:r>
+              <a:rPr kumimoji="1" lang="en-US" altLang="ja-JP" dirty="0"/>
+              <a:t>8.</a:t>
+            </a:r>
+            <a:r>
+              <a:rPr kumimoji="1" lang="ja-JP" altLang="en-US" dirty="0"/>
+              <a:t>ポインタ③</a:t>
+            </a:r>
+          </a:p>
+        </p:txBody>
+      </p:sp>
+      <p:sp>
+        <p:nvSpPr>
+          <p:cNvPr id="3" name="コンテンツ プレースホルダー 2">
+            <a:extLst>
+              <a:ext uri="{FF2B5EF4-FFF2-40B4-BE49-F238E27FC236}">
+                <a16:creationId xmlns:a16="http://schemas.microsoft.com/office/drawing/2014/main" id="{83C8A812-BF20-4E42-A87C-3F70448830DA}"/>
+              </a:ext>
+            </a:extLst>
+          </p:cNvPr>
+          <p:cNvSpPr>
+            <a:spLocks noGrp="1"/>
+          </p:cNvSpPr>
+          <p:nvPr>
+            <p:ph idx="1"/>
+          </p:nvPr>
+        </p:nvSpPr>
+        <p:spPr/>
+        <p:txBody>
+          <a:bodyPr/>
+          <a:lstStyle/>
+          <a:p>
+            <a:r>
+              <a:rPr kumimoji="1" lang="ja-JP" altLang="en-US" dirty="0"/>
+              <a:t>前スライドの例でポインタを利用する</a:t>
+            </a:r>
+            <a:endParaRPr kumimoji="1" lang="en-US" altLang="ja-JP" dirty="0"/>
+          </a:p>
+          <a:p>
+            <a:pPr marL="0" indent="0">
+              <a:buNone/>
+            </a:pPr>
+            <a:r>
+              <a:rPr lang="en-US" altLang="ja-JP" dirty="0"/>
+              <a:t>v</a:t>
+            </a:r>
+            <a:r>
+              <a:rPr kumimoji="1" lang="en-US" altLang="ja-JP" dirty="0"/>
+              <a:t>oid </a:t>
+            </a:r>
+            <a:r>
+              <a:rPr kumimoji="1" lang="en-US" altLang="ja-JP" dirty="0" err="1"/>
+              <a:t>func</a:t>
+            </a:r>
+            <a:r>
+              <a:rPr kumimoji="1" lang="en-US" altLang="ja-JP" dirty="0"/>
+              <a:t>(int *</a:t>
+            </a:r>
+            <a:r>
+              <a:rPr kumimoji="1" lang="en-US" altLang="ja-JP" dirty="0" err="1"/>
+              <a:t>ptr</a:t>
+            </a:r>
+            <a:r>
+              <a:rPr kumimoji="1" lang="en-US" altLang="ja-JP" dirty="0"/>
+              <a:t>){//</a:t>
+            </a:r>
+            <a:r>
+              <a:rPr kumimoji="1" lang="ja-JP" altLang="en-US" dirty="0"/>
+              <a:t>引数として</a:t>
+            </a:r>
+            <a:r>
+              <a:rPr kumimoji="1" lang="en-US" altLang="ja-JP" dirty="0"/>
+              <a:t>int</a:t>
+            </a:r>
+            <a:r>
+              <a:rPr kumimoji="1" lang="ja-JP" altLang="en-US" dirty="0"/>
+              <a:t>型のポインタを取る</a:t>
+            </a:r>
+            <a:endParaRPr kumimoji="1" lang="en-US" altLang="ja-JP" dirty="0"/>
+          </a:p>
+          <a:p>
+            <a:pPr marL="0" indent="0">
+              <a:buNone/>
+            </a:pPr>
+            <a:r>
+              <a:rPr kumimoji="1" lang="en-US" altLang="ja-JP" dirty="0"/>
+              <a:t>	*</a:t>
+            </a:r>
+            <a:r>
+              <a:rPr kumimoji="1" lang="en-US" altLang="ja-JP" dirty="0" err="1"/>
+              <a:t>ptr</a:t>
+            </a:r>
+            <a:r>
+              <a:rPr kumimoji="1" lang="en-US" altLang="ja-JP" dirty="0"/>
+              <a:t> = 283; }</a:t>
+            </a:r>
+          </a:p>
+          <a:p>
+            <a:pPr marL="0" indent="0">
+              <a:buNone/>
+            </a:pPr>
+            <a:r>
+              <a:rPr lang="en-US" altLang="ja-JP" dirty="0"/>
+              <a:t>int main(){</a:t>
+            </a:r>
+          </a:p>
+          <a:p>
+            <a:pPr marL="0" indent="0">
+              <a:buNone/>
+            </a:pPr>
+            <a:r>
+              <a:rPr kumimoji="1" lang="en-US" altLang="ja-JP" dirty="0"/>
+              <a:t>	int num = 765;</a:t>
+            </a:r>
+          </a:p>
+          <a:p>
+            <a:pPr marL="0" indent="0">
+              <a:buNone/>
+            </a:pPr>
+            <a:r>
+              <a:rPr lang="en-US" altLang="ja-JP" dirty="0"/>
+              <a:t>	</a:t>
+            </a:r>
+            <a:r>
+              <a:rPr lang="en-US" altLang="ja-JP" dirty="0" err="1"/>
+              <a:t>func</a:t>
+            </a:r>
+            <a:r>
+              <a:rPr lang="en-US" altLang="ja-JP" dirty="0"/>
+              <a:t>(&amp;num);}</a:t>
+            </a:r>
+          </a:p>
+          <a:p>
+            <a:pPr marL="0" indent="0">
+              <a:buNone/>
+            </a:pPr>
+            <a:r>
+              <a:rPr kumimoji="1" lang="ja-JP" altLang="en-US" dirty="0"/>
+              <a:t>上記の様に書く事で</a:t>
+            </a:r>
+            <a:r>
+              <a:rPr kumimoji="1" lang="en-US" altLang="ja-JP" dirty="0"/>
+              <a:t>num</a:t>
+            </a:r>
+            <a:r>
+              <a:rPr kumimoji="1" lang="ja-JP" altLang="en-US" dirty="0"/>
+              <a:t>を関数の中で変更する事が出来る。</a:t>
+            </a:r>
+          </a:p>
+        </p:txBody>
+      </p:sp>
+    </p:spTree>
+    <p:extLst>
+      <p:ext uri="{BB962C8B-B14F-4D97-AF65-F5344CB8AC3E}">
+        <p14:creationId xmlns:p14="http://schemas.microsoft.com/office/powerpoint/2010/main" val="2737719592"/>
+      </p:ext>
+    </p:extLst>
+  </p:cSld>
+  <p:clrMapOvr>
+    <a:masterClrMapping/>
+  </p:clrMapOvr>
+</p:sld>
+</file>
+
+<file path=ppt/slides/slide33.xml><?xml version="1.0" encoding="utf-8"?>
+<p:sld xmlns:a="http://schemas.openxmlformats.org/drawingml/2006/main" xmlns:r="http://schemas.openxmlformats.org/officeDocument/2006/relationships" xmlns:p="http://schemas.openxmlformats.org/presentationml/2006/main">
+  <p:cSld>
+    <p:spTree>
+      <p:nvGrpSpPr>
+        <p:cNvPr id="1" name=""/>
+        <p:cNvGrpSpPr/>
+        <p:nvPr/>
+      </p:nvGrpSpPr>
+      <p:grpSpPr>
+        <a:xfrm>
+          <a:off x="0" y="0"/>
+          <a:ext cx="0" cy="0"/>
+          <a:chOff x="0" y="0"/>
+          <a:chExt cx="0" cy="0"/>
+        </a:xfrm>
+      </p:grpSpPr>
+      <p:sp>
+        <p:nvSpPr>
+          <p:cNvPr id="2" name="タイトル 1">
+            <a:extLst>
+              <a:ext uri="{FF2B5EF4-FFF2-40B4-BE49-F238E27FC236}">
+                <a16:creationId xmlns:a16="http://schemas.microsoft.com/office/drawing/2014/main" id="{B5414303-9F69-4BF1-9992-36D6D709AC68}"/>
+              </a:ext>
+            </a:extLst>
+          </p:cNvPr>
+          <p:cNvSpPr>
+            <a:spLocks noGrp="1"/>
+          </p:cNvSpPr>
+          <p:nvPr>
+            <p:ph type="title"/>
+          </p:nvPr>
+        </p:nvSpPr>
+        <p:spPr/>
+        <p:txBody>
+          <a:bodyPr/>
+          <a:lstStyle/>
+          <a:p>
+            <a:r>
+              <a:rPr kumimoji="1" lang="en-US" altLang="ja-JP" dirty="0"/>
+              <a:t>8.</a:t>
+            </a:r>
+            <a:r>
+              <a:rPr kumimoji="1" lang="ja-JP" altLang="en-US" dirty="0"/>
+              <a:t>ポインタ</a:t>
+            </a:r>
+            <a:r>
+              <a:rPr lang="ja-JP" altLang="en-US" dirty="0"/>
+              <a:t>④</a:t>
+            </a:r>
+            <a:endParaRPr kumimoji="1" lang="ja-JP" altLang="en-US" dirty="0"/>
+          </a:p>
+        </p:txBody>
+      </p:sp>
+      <p:sp>
+        <p:nvSpPr>
+          <p:cNvPr id="3" name="コンテンツ プレースホルダー 2">
+            <a:extLst>
+              <a:ext uri="{FF2B5EF4-FFF2-40B4-BE49-F238E27FC236}">
+                <a16:creationId xmlns:a16="http://schemas.microsoft.com/office/drawing/2014/main" id="{EE93D85D-AEB0-48E9-9A86-1A4AC7D65C44}"/>
+              </a:ext>
+            </a:extLst>
+          </p:cNvPr>
+          <p:cNvSpPr>
+            <a:spLocks noGrp="1"/>
+          </p:cNvSpPr>
+          <p:nvPr>
+            <p:ph idx="1"/>
+          </p:nvPr>
+        </p:nvSpPr>
+        <p:spPr/>
+        <p:txBody>
+          <a:bodyPr/>
+          <a:lstStyle/>
+          <a:p>
+            <a:r>
+              <a:rPr kumimoji="1" lang="ja-JP" altLang="en-US" dirty="0"/>
+              <a:t>関数の中で関数の外側にある変数を変更したい事はよくある。</a:t>
+            </a:r>
+            <a:endParaRPr kumimoji="1" lang="en-US" altLang="ja-JP" dirty="0"/>
+          </a:p>
+          <a:p>
+            <a:pPr>
+              <a:buFontTx/>
+              <a:buChar char="-"/>
+            </a:pPr>
+            <a:r>
+              <a:rPr lang="ja-JP" altLang="en-US" dirty="0"/>
+              <a:t>例</a:t>
+            </a:r>
+            <a:endParaRPr lang="en-US" altLang="ja-JP" dirty="0"/>
+          </a:p>
+          <a:p>
+            <a:pPr marL="0" indent="0">
+              <a:buNone/>
+            </a:pPr>
+            <a:r>
+              <a:rPr lang="en-US" altLang="ja-JP" dirty="0" err="1"/>
+              <a:t>s</a:t>
+            </a:r>
+            <a:r>
+              <a:rPr kumimoji="1" lang="en-US" altLang="ja-JP" dirty="0" err="1"/>
+              <a:t>canf</a:t>
+            </a:r>
+            <a:r>
+              <a:rPr kumimoji="1" lang="ja-JP" altLang="en-US" dirty="0"/>
+              <a:t>関数</a:t>
+            </a:r>
+            <a:r>
+              <a:rPr lang="en-US" altLang="ja-JP" dirty="0"/>
+              <a:t>:</a:t>
+            </a:r>
+            <a:r>
+              <a:rPr lang="ja-JP" altLang="en-US" dirty="0"/>
+              <a:t> この関数はキーボードからの入力を受け取った変数に書き込まなくてはいけない。なので二つ目の引数には必ず</a:t>
+            </a:r>
+            <a:r>
+              <a:rPr lang="en-US" altLang="ja-JP" dirty="0"/>
+              <a:t>&amp;</a:t>
+            </a:r>
+            <a:r>
+              <a:rPr lang="ja-JP" altLang="en-US" dirty="0"/>
+              <a:t>を付けている。</a:t>
+            </a:r>
+            <a:endParaRPr lang="en-US" altLang="ja-JP" dirty="0"/>
+          </a:p>
+          <a:p>
+            <a:pPr marL="0" indent="0">
+              <a:buNone/>
+            </a:pPr>
+            <a:endParaRPr kumimoji="1" lang="en-US" altLang="ja-JP" dirty="0"/>
+          </a:p>
+          <a:p>
+            <a:pPr marL="0" indent="0">
+              <a:buNone/>
+            </a:pPr>
+            <a:endParaRPr kumimoji="1" lang="en-US" altLang="ja-JP" dirty="0"/>
+          </a:p>
+        </p:txBody>
+      </p:sp>
+    </p:spTree>
+    <p:extLst>
+      <p:ext uri="{BB962C8B-B14F-4D97-AF65-F5344CB8AC3E}">
+        <p14:creationId xmlns:p14="http://schemas.microsoft.com/office/powerpoint/2010/main" val="4118482269"/>
+      </p:ext>
+    </p:extLst>
+  </p:cSld>
+  <p:clrMapOvr>
+    <a:masterClrMapping/>
+  </p:clrMapOvr>
+</p:sld>
+</file>
+
+<file path=ppt/slides/slide34.xml><?xml version="1.0" encoding="utf-8"?>
+<p:sld xmlns:a="http://schemas.openxmlformats.org/drawingml/2006/main" xmlns:r="http://schemas.openxmlformats.org/officeDocument/2006/relationships" xmlns:p="http://schemas.openxmlformats.org/presentationml/2006/main">
+  <p:cSld>
+    <p:spTree>
+      <p:nvGrpSpPr>
+        <p:cNvPr id="1" name=""/>
+        <p:cNvGrpSpPr/>
+        <p:nvPr/>
+      </p:nvGrpSpPr>
+      <p:grpSpPr>
+        <a:xfrm>
+          <a:off x="0" y="0"/>
+          <a:ext cx="0" cy="0"/>
+          <a:chOff x="0" y="0"/>
+          <a:chExt cx="0" cy="0"/>
+        </a:xfrm>
+      </p:grpSpPr>
+      <p:sp>
+        <p:nvSpPr>
+          <p:cNvPr id="2" name="タイトル 1">
+            <a:extLst>
+              <a:ext uri="{FF2B5EF4-FFF2-40B4-BE49-F238E27FC236}">
+                <a16:creationId xmlns:a16="http://schemas.microsoft.com/office/drawing/2014/main" id="{DD966A2E-6628-49DA-95EA-275F06E92F31}"/>
+              </a:ext>
+            </a:extLst>
+          </p:cNvPr>
+          <p:cNvSpPr>
+            <a:spLocks noGrp="1"/>
+          </p:cNvSpPr>
+          <p:nvPr>
+            <p:ph type="title"/>
+          </p:nvPr>
+        </p:nvSpPr>
+        <p:spPr/>
+        <p:txBody>
+          <a:bodyPr/>
+          <a:lstStyle/>
+          <a:p>
+            <a:r>
+              <a:rPr lang="ja-JP" altLang="en-US" dirty="0"/>
+              <a:t>確認問題</a:t>
+            </a:r>
+            <a:endParaRPr kumimoji="1" lang="ja-JP" altLang="en-US" dirty="0"/>
+          </a:p>
+        </p:txBody>
+      </p:sp>
+      <p:sp>
+        <p:nvSpPr>
+          <p:cNvPr id="3" name="コンテンツ プレースホルダー 2">
+            <a:extLst>
+              <a:ext uri="{FF2B5EF4-FFF2-40B4-BE49-F238E27FC236}">
+                <a16:creationId xmlns:a16="http://schemas.microsoft.com/office/drawing/2014/main" id="{6ED18C66-BE1E-4493-9663-DF5CC066856C}"/>
+              </a:ext>
+            </a:extLst>
+          </p:cNvPr>
+          <p:cNvSpPr>
+            <a:spLocks noGrp="1"/>
+          </p:cNvSpPr>
+          <p:nvPr>
+            <p:ph idx="1"/>
+          </p:nvPr>
+        </p:nvSpPr>
+        <p:spPr/>
+        <p:txBody>
+          <a:bodyPr/>
+          <a:lstStyle/>
+          <a:p>
+            <a:r>
+              <a:rPr kumimoji="1" lang="en-US" altLang="ja-JP" dirty="0"/>
+              <a:t>https://github.com/AD58-3104/brains_c_study/blob/main/quiz/quiz8_pointer.c</a:t>
+            </a:r>
+            <a:endParaRPr kumimoji="1" lang="ja-JP" altLang="en-US" dirty="0"/>
+          </a:p>
+        </p:txBody>
+      </p:sp>
+    </p:spTree>
+    <p:extLst>
+      <p:ext uri="{BB962C8B-B14F-4D97-AF65-F5344CB8AC3E}">
+        <p14:creationId xmlns:p14="http://schemas.microsoft.com/office/powerpoint/2010/main" val="37262120"/>
       </p:ext>
     </p:extLst>
   </p:cSld>
